--- a/settings pictrue.pptx
+++ b/settings pictrue.pptx
@@ -2,12 +2,12 @@
 <file path=ppt/presentation.xml><?xml version="1.0" encoding="utf-8"?>
 <p:presentation xmlns:a="http://schemas.openxmlformats.org/drawingml/2006/main" xmlns:r="http://schemas.openxmlformats.org/officeDocument/2006/relationships" xmlns:p="http://schemas.openxmlformats.org/presentationml/2006/main" saveSubsetFonts="1">
   <p:sldMasterIdLst>
-    <p:sldMasterId id="2147483684" r:id="rId1"/>
+    <p:sldMasterId id="2147483696" r:id="rId1"/>
   </p:sldMasterIdLst>
   <p:sldIdLst>
     <p:sldId id="256" r:id="rId2"/>
   </p:sldIdLst>
-  <p:sldSz cx="9906000" cy="6858000" type="A4"/>
+  <p:sldSz cx="9906000" cy="7199313"/>
   <p:notesSz cx="9144000" cy="6858000"/>
   <p:defaultTextStyle>
     <a:defPPr>
@@ -115,7 +115,7 @@
 <file path=ppt/revisionInfo.xml><?xml version="1.0" encoding="utf-8"?>
 <p1510:revInfo xmlns:a="http://schemas.openxmlformats.org/drawingml/2006/main" xmlns:r="http://schemas.openxmlformats.org/officeDocument/2006/relationships" xmlns:p1510="http://schemas.microsoft.com/office/powerpoint/2015/10/main">
   <p1510:revLst>
-    <p1510:client id="{9292C45E-1433-4A71-8365-899276F110AA}" v="2" dt="2023-08-05T09:30:53.130"/>
+    <p1510:client id="{9292C45E-1433-4A71-8365-899276F110AA}" v="6" dt="2023-08-08T09:26:24.649"/>
   </p1510:revLst>
 </p1510:revInfo>
 </file>
@@ -124,19 +124,27 @@
 <pc:chgInfo xmlns:a="http://schemas.openxmlformats.org/drawingml/2006/main" xmlns:r="http://schemas.openxmlformats.org/officeDocument/2006/relationships" xmlns:ac="http://schemas.microsoft.com/office/drawing/2013/main/command" xmlns:pc="http://schemas.microsoft.com/office/powerpoint/2013/main/command">
   <pc:docChgLst>
     <pc:chgData name="Diego Fernández Fernández" userId="d2614e5d-44be-4bc9-8b18-eb7d34c5f3ab" providerId="ADAL" clId="{9292C45E-1433-4A71-8365-899276F110AA}"/>
-    <pc:docChg chg="undo custSel modSld">
-      <pc:chgData name="Diego Fernández Fernández" userId="d2614e5d-44be-4bc9-8b18-eb7d34c5f3ab" providerId="ADAL" clId="{9292C45E-1433-4A71-8365-899276F110AA}" dt="2023-08-05T09:33:00.615" v="175" actId="14100"/>
+    <pc:docChg chg="undo custSel modSld modMainMaster">
+      <pc:chgData name="Diego Fernández Fernández" userId="d2614e5d-44be-4bc9-8b18-eb7d34c5f3ab" providerId="ADAL" clId="{9292C45E-1433-4A71-8365-899276F110AA}" dt="2023-08-08T11:10:51.360" v="443" actId="20577"/>
       <pc:docMkLst>
         <pc:docMk/>
       </pc:docMkLst>
       <pc:sldChg chg="addSp modSp mod">
-        <pc:chgData name="Diego Fernández Fernández" userId="d2614e5d-44be-4bc9-8b18-eb7d34c5f3ab" providerId="ADAL" clId="{9292C45E-1433-4A71-8365-899276F110AA}" dt="2023-08-05T09:33:00.615" v="175" actId="14100"/>
+        <pc:chgData name="Diego Fernández Fernández" userId="d2614e5d-44be-4bc9-8b18-eb7d34c5f3ab" providerId="ADAL" clId="{9292C45E-1433-4A71-8365-899276F110AA}" dt="2023-08-08T11:10:51.360" v="443" actId="20577"/>
         <pc:sldMkLst>
           <pc:docMk/>
           <pc:sldMk cId="434893819" sldId="256"/>
         </pc:sldMkLst>
+        <pc:spChg chg="add mod">
+          <ac:chgData name="Diego Fernández Fernández" userId="d2614e5d-44be-4bc9-8b18-eb7d34c5f3ab" providerId="ADAL" clId="{9292C45E-1433-4A71-8365-899276F110AA}" dt="2023-08-08T11:10:51.360" v="443" actId="20577"/>
+          <ac:spMkLst>
+            <pc:docMk/>
+            <pc:sldMk cId="434893819" sldId="256"/>
+            <ac:spMk id="2" creationId="{F324F8F8-A782-3649-5B0D-B0E13BA58AD4}"/>
+          </ac:spMkLst>
+        </pc:spChg>
         <pc:spChg chg="mod">
-          <ac:chgData name="Diego Fernández Fernández" userId="d2614e5d-44be-4bc9-8b18-eb7d34c5f3ab" providerId="ADAL" clId="{9292C45E-1433-4A71-8365-899276F110AA}" dt="2023-08-05T09:29:38.088" v="69" actId="1582"/>
+          <ac:chgData name="Diego Fernández Fernández" userId="d2614e5d-44be-4bc9-8b18-eb7d34c5f3ab" providerId="ADAL" clId="{9292C45E-1433-4A71-8365-899276F110AA}" dt="2023-08-08T09:26:49.412" v="407" actId="1036"/>
           <ac:spMkLst>
             <pc:docMk/>
             <pc:sldMk cId="434893819" sldId="256"/>
@@ -144,7 +152,7 @@
           </ac:spMkLst>
         </pc:spChg>
         <pc:spChg chg="mod">
-          <ac:chgData name="Diego Fernández Fernández" userId="d2614e5d-44be-4bc9-8b18-eb7d34c5f3ab" providerId="ADAL" clId="{9292C45E-1433-4A71-8365-899276F110AA}" dt="2023-08-05T09:31:55.531" v="165" actId="20577"/>
+          <ac:chgData name="Diego Fernández Fernández" userId="d2614e5d-44be-4bc9-8b18-eb7d34c5f3ab" providerId="ADAL" clId="{9292C45E-1433-4A71-8365-899276F110AA}" dt="2023-08-08T09:26:51.925" v="409" actId="1036"/>
           <ac:spMkLst>
             <pc:docMk/>
             <pc:sldMk cId="434893819" sldId="256"/>
@@ -152,7 +160,15 @@
           </ac:spMkLst>
         </pc:spChg>
         <pc:spChg chg="mod">
-          <ac:chgData name="Diego Fernández Fernández" userId="d2614e5d-44be-4bc9-8b18-eb7d34c5f3ab" providerId="ADAL" clId="{9292C45E-1433-4A71-8365-899276F110AA}" dt="2023-08-05T09:30:21.006" v="78" actId="1076"/>
+          <ac:chgData name="Diego Fernández Fernández" userId="d2614e5d-44be-4bc9-8b18-eb7d34c5f3ab" providerId="ADAL" clId="{9292C45E-1433-4A71-8365-899276F110AA}" dt="2023-08-08T09:26:32.296" v="371" actId="1036"/>
+          <ac:spMkLst>
+            <pc:docMk/>
+            <pc:sldMk cId="434893819" sldId="256"/>
+            <ac:spMk id="16" creationId="{E8E9B456-6B84-3015-56C7-4016326E3181}"/>
+          </ac:spMkLst>
+        </pc:spChg>
+        <pc:spChg chg="mod">
+          <ac:chgData name="Diego Fernández Fernández" userId="d2614e5d-44be-4bc9-8b18-eb7d34c5f3ab" providerId="ADAL" clId="{9292C45E-1433-4A71-8365-899276F110AA}" dt="2023-08-08T09:26:32.296" v="371" actId="1036"/>
           <ac:spMkLst>
             <pc:docMk/>
             <pc:sldMk cId="434893819" sldId="256"/>
@@ -160,7 +176,15 @@
           </ac:spMkLst>
         </pc:spChg>
         <pc:spChg chg="mod">
-          <ac:chgData name="Diego Fernández Fernández" userId="d2614e5d-44be-4bc9-8b18-eb7d34c5f3ab" providerId="ADAL" clId="{9292C45E-1433-4A71-8365-899276F110AA}" dt="2023-08-05T09:32:22.662" v="166" actId="14100"/>
+          <ac:chgData name="Diego Fernández Fernández" userId="d2614e5d-44be-4bc9-8b18-eb7d34c5f3ab" providerId="ADAL" clId="{9292C45E-1433-4A71-8365-899276F110AA}" dt="2023-08-08T09:26:32.296" v="371" actId="1036"/>
+          <ac:spMkLst>
+            <pc:docMk/>
+            <pc:sldMk cId="434893819" sldId="256"/>
+            <ac:spMk id="20" creationId="{19452F43-8EEE-6AAE-161B-8FBED8EDBBB0}"/>
+          </ac:spMkLst>
+        </pc:spChg>
+        <pc:spChg chg="mod">
+          <ac:chgData name="Diego Fernández Fernández" userId="d2614e5d-44be-4bc9-8b18-eb7d34c5f3ab" providerId="ADAL" clId="{9292C45E-1433-4A71-8365-899276F110AA}" dt="2023-08-08T09:26:32.296" v="371" actId="1036"/>
           <ac:spMkLst>
             <pc:docMk/>
             <pc:sldMk cId="434893819" sldId="256"/>
@@ -168,7 +192,7 @@
           </ac:spMkLst>
         </pc:spChg>
         <pc:spChg chg="mod">
-          <ac:chgData name="Diego Fernández Fernández" userId="d2614e5d-44be-4bc9-8b18-eb7d34c5f3ab" providerId="ADAL" clId="{9292C45E-1433-4A71-8365-899276F110AA}" dt="2023-08-05T09:31:24.754" v="121" actId="1076"/>
+          <ac:chgData name="Diego Fernández Fernández" userId="d2614e5d-44be-4bc9-8b18-eb7d34c5f3ab" providerId="ADAL" clId="{9292C45E-1433-4A71-8365-899276F110AA}" dt="2023-08-08T09:26:32.296" v="371" actId="1036"/>
           <ac:spMkLst>
             <pc:docMk/>
             <pc:sldMk cId="434893819" sldId="256"/>
@@ -176,7 +200,15 @@
           </ac:spMkLst>
         </pc:spChg>
         <pc:spChg chg="mod">
-          <ac:chgData name="Diego Fernández Fernández" userId="d2614e5d-44be-4bc9-8b18-eb7d34c5f3ab" providerId="ADAL" clId="{9292C45E-1433-4A71-8365-899276F110AA}" dt="2023-08-05T09:30:18.814" v="77" actId="1076"/>
+          <ac:chgData name="Diego Fernández Fernández" userId="d2614e5d-44be-4bc9-8b18-eb7d34c5f3ab" providerId="ADAL" clId="{9292C45E-1433-4A71-8365-899276F110AA}" dt="2023-08-08T09:26:32.296" v="371" actId="1036"/>
+          <ac:spMkLst>
+            <pc:docMk/>
+            <pc:sldMk cId="434893819" sldId="256"/>
+            <ac:spMk id="24" creationId="{23772340-F07C-85B1-10B3-9124AB58B7F4}"/>
+          </ac:spMkLst>
+        </pc:spChg>
+        <pc:spChg chg="mod">
+          <ac:chgData name="Diego Fernández Fernández" userId="d2614e5d-44be-4bc9-8b18-eb7d34c5f3ab" providerId="ADAL" clId="{9292C45E-1433-4A71-8365-899276F110AA}" dt="2023-08-08T09:26:53.079" v="411" actId="1036"/>
           <ac:spMkLst>
             <pc:docMk/>
             <pc:sldMk cId="434893819" sldId="256"/>
@@ -184,7 +216,7 @@
           </ac:spMkLst>
         </pc:spChg>
         <pc:spChg chg="add mod">
-          <ac:chgData name="Diego Fernández Fernández" userId="d2614e5d-44be-4bc9-8b18-eb7d34c5f3ab" providerId="ADAL" clId="{9292C45E-1433-4A71-8365-899276F110AA}" dt="2023-08-05T09:30:41.934" v="86" actId="1076"/>
+          <ac:chgData name="Diego Fernández Fernández" userId="d2614e5d-44be-4bc9-8b18-eb7d34c5f3ab" providerId="ADAL" clId="{9292C45E-1433-4A71-8365-899276F110AA}" dt="2023-08-08T09:26:32.296" v="371" actId="1036"/>
           <ac:spMkLst>
             <pc:docMk/>
             <pc:sldMk cId="434893819" sldId="256"/>
@@ -192,7 +224,7 @@
           </ac:spMkLst>
         </pc:spChg>
         <pc:spChg chg="add mod">
-          <ac:chgData name="Diego Fernández Fernández" userId="d2614e5d-44be-4bc9-8b18-eb7d34c5f3ab" providerId="ADAL" clId="{9292C45E-1433-4A71-8365-899276F110AA}" dt="2023-08-05T09:31:01.550" v="94" actId="1076"/>
+          <ac:chgData name="Diego Fernández Fernández" userId="d2614e5d-44be-4bc9-8b18-eb7d34c5f3ab" providerId="ADAL" clId="{9292C45E-1433-4A71-8365-899276F110AA}" dt="2023-08-08T09:26:32.296" v="371" actId="1036"/>
           <ac:spMkLst>
             <pc:docMk/>
             <pc:sldMk cId="434893819" sldId="256"/>
@@ -200,7 +232,7 @@
           </ac:spMkLst>
         </pc:spChg>
         <pc:spChg chg="add mod">
-          <ac:chgData name="Diego Fernández Fernández" userId="d2614e5d-44be-4bc9-8b18-eb7d34c5f3ab" providerId="ADAL" clId="{9292C45E-1433-4A71-8365-899276F110AA}" dt="2023-08-05T09:33:00.615" v="175" actId="14100"/>
+          <ac:chgData name="Diego Fernández Fernández" userId="d2614e5d-44be-4bc9-8b18-eb7d34c5f3ab" providerId="ADAL" clId="{9292C45E-1433-4A71-8365-899276F110AA}" dt="2023-08-08T09:26:32.296" v="371" actId="1036"/>
           <ac:spMkLst>
             <pc:docMk/>
             <pc:sldMk cId="434893819" sldId="256"/>
@@ -208,7 +240,7 @@
           </ac:spMkLst>
         </pc:spChg>
         <pc:picChg chg="mod">
-          <ac:chgData name="Diego Fernández Fernández" userId="d2614e5d-44be-4bc9-8b18-eb7d34c5f3ab" providerId="ADAL" clId="{9292C45E-1433-4A71-8365-899276F110AA}" dt="2023-08-05T09:30:35.452" v="85" actId="1076"/>
+          <ac:chgData name="Diego Fernández Fernández" userId="d2614e5d-44be-4bc9-8b18-eb7d34c5f3ab" providerId="ADAL" clId="{9292C45E-1433-4A71-8365-899276F110AA}" dt="2023-08-08T09:26:32.296" v="371" actId="1036"/>
           <ac:picMkLst>
             <pc:docMk/>
             <pc:sldMk cId="434893819" sldId="256"/>
@@ -216,7 +248,7 @@
           </ac:picMkLst>
         </pc:picChg>
         <pc:cxnChg chg="mod">
-          <ac:chgData name="Diego Fernández Fernández" userId="d2614e5d-44be-4bc9-8b18-eb7d34c5f3ab" providerId="ADAL" clId="{9292C45E-1433-4A71-8365-899276F110AA}" dt="2023-08-05T09:30:25.366" v="79" actId="14100"/>
+          <ac:chgData name="Diego Fernández Fernández" userId="d2614e5d-44be-4bc9-8b18-eb7d34c5f3ab" providerId="ADAL" clId="{9292C45E-1433-4A71-8365-899276F110AA}" dt="2023-08-08T09:26:57.685" v="412" actId="14100"/>
           <ac:cxnSpMkLst>
             <pc:docMk/>
             <pc:sldMk cId="434893819" sldId="256"/>
@@ -224,7 +256,7 @@
           </ac:cxnSpMkLst>
         </pc:cxnChg>
         <pc:cxnChg chg="mod">
-          <ac:chgData name="Diego Fernández Fernández" userId="d2614e5d-44be-4bc9-8b18-eb7d34c5f3ab" providerId="ADAL" clId="{9292C45E-1433-4A71-8365-899276F110AA}" dt="2023-08-05T09:31:55.531" v="165" actId="20577"/>
+          <ac:chgData name="Diego Fernández Fernández" userId="d2614e5d-44be-4bc9-8b18-eb7d34c5f3ab" providerId="ADAL" clId="{9292C45E-1433-4A71-8365-899276F110AA}" dt="2023-08-08T09:26:59.477" v="413" actId="14100"/>
           <ac:cxnSpMkLst>
             <pc:docMk/>
             <pc:sldMk cId="434893819" sldId="256"/>
@@ -232,7 +264,7 @@
           </ac:cxnSpMkLst>
         </pc:cxnChg>
         <pc:cxnChg chg="mod">
-          <ac:chgData name="Diego Fernández Fernández" userId="d2614e5d-44be-4bc9-8b18-eb7d34c5f3ab" providerId="ADAL" clId="{9292C45E-1433-4A71-8365-899276F110AA}" dt="2023-08-05T09:30:21.006" v="78" actId="1076"/>
+          <ac:chgData name="Diego Fernández Fernández" userId="d2614e5d-44be-4bc9-8b18-eb7d34c5f3ab" providerId="ADAL" clId="{9292C45E-1433-4A71-8365-899276F110AA}" dt="2023-08-08T09:26:32.296" v="371" actId="1036"/>
           <ac:cxnSpMkLst>
             <pc:docMk/>
             <pc:sldMk cId="434893819" sldId="256"/>
@@ -240,7 +272,7 @@
           </ac:cxnSpMkLst>
         </pc:cxnChg>
         <pc:cxnChg chg="mod">
-          <ac:chgData name="Diego Fernández Fernández" userId="d2614e5d-44be-4bc9-8b18-eb7d34c5f3ab" providerId="ADAL" clId="{9292C45E-1433-4A71-8365-899276F110AA}" dt="2023-08-05T09:30:18.814" v="77" actId="1076"/>
+          <ac:chgData name="Diego Fernández Fernández" userId="d2614e5d-44be-4bc9-8b18-eb7d34c5f3ab" providerId="ADAL" clId="{9292C45E-1433-4A71-8365-899276F110AA}" dt="2023-08-08T09:26:53.079" v="411" actId="1036"/>
           <ac:cxnSpMkLst>
             <pc:docMk/>
             <pc:sldMk cId="434893819" sldId="256"/>
@@ -248,6 +280,280 @@
           </ac:cxnSpMkLst>
         </pc:cxnChg>
       </pc:sldChg>
+      <pc:sldMasterChg chg="modSp modSldLayout">
+        <pc:chgData name="Diego Fernández Fernández" userId="d2614e5d-44be-4bc9-8b18-eb7d34c5f3ab" providerId="ADAL" clId="{9292C45E-1433-4A71-8365-899276F110AA}" dt="2023-08-08T09:26:09.834" v="352"/>
+        <pc:sldMasterMkLst>
+          <pc:docMk/>
+          <pc:sldMasterMk cId="834984003" sldId="2147483684"/>
+        </pc:sldMasterMkLst>
+        <pc:spChg chg="mod">
+          <ac:chgData name="Diego Fernández Fernández" userId="d2614e5d-44be-4bc9-8b18-eb7d34c5f3ab" providerId="ADAL" clId="{9292C45E-1433-4A71-8365-899276F110AA}" dt="2023-08-08T09:26:09.834" v="352"/>
+          <ac:spMkLst>
+            <pc:docMk/>
+            <pc:sldMasterMk cId="834984003" sldId="2147483684"/>
+            <ac:spMk id="2" creationId="{00000000-0000-0000-0000-000000000000}"/>
+          </ac:spMkLst>
+        </pc:spChg>
+        <pc:spChg chg="mod">
+          <ac:chgData name="Diego Fernández Fernández" userId="d2614e5d-44be-4bc9-8b18-eb7d34c5f3ab" providerId="ADAL" clId="{9292C45E-1433-4A71-8365-899276F110AA}" dt="2023-08-08T09:26:09.834" v="352"/>
+          <ac:spMkLst>
+            <pc:docMk/>
+            <pc:sldMasterMk cId="834984003" sldId="2147483684"/>
+            <ac:spMk id="3" creationId="{00000000-0000-0000-0000-000000000000}"/>
+          </ac:spMkLst>
+        </pc:spChg>
+        <pc:spChg chg="mod">
+          <ac:chgData name="Diego Fernández Fernández" userId="d2614e5d-44be-4bc9-8b18-eb7d34c5f3ab" providerId="ADAL" clId="{9292C45E-1433-4A71-8365-899276F110AA}" dt="2023-08-08T09:26:09.834" v="352"/>
+          <ac:spMkLst>
+            <pc:docMk/>
+            <pc:sldMasterMk cId="834984003" sldId="2147483684"/>
+            <ac:spMk id="4" creationId="{00000000-0000-0000-0000-000000000000}"/>
+          </ac:spMkLst>
+        </pc:spChg>
+        <pc:spChg chg="mod">
+          <ac:chgData name="Diego Fernández Fernández" userId="d2614e5d-44be-4bc9-8b18-eb7d34c5f3ab" providerId="ADAL" clId="{9292C45E-1433-4A71-8365-899276F110AA}" dt="2023-08-08T09:26:09.834" v="352"/>
+          <ac:spMkLst>
+            <pc:docMk/>
+            <pc:sldMasterMk cId="834984003" sldId="2147483684"/>
+            <ac:spMk id="5" creationId="{00000000-0000-0000-0000-000000000000}"/>
+          </ac:spMkLst>
+        </pc:spChg>
+        <pc:spChg chg="mod">
+          <ac:chgData name="Diego Fernández Fernández" userId="d2614e5d-44be-4bc9-8b18-eb7d34c5f3ab" providerId="ADAL" clId="{9292C45E-1433-4A71-8365-899276F110AA}" dt="2023-08-08T09:26:09.834" v="352"/>
+          <ac:spMkLst>
+            <pc:docMk/>
+            <pc:sldMasterMk cId="834984003" sldId="2147483684"/>
+            <ac:spMk id="6" creationId="{00000000-0000-0000-0000-000000000000}"/>
+          </ac:spMkLst>
+        </pc:spChg>
+        <pc:sldLayoutChg chg="modSp">
+          <pc:chgData name="Diego Fernández Fernández" userId="d2614e5d-44be-4bc9-8b18-eb7d34c5f3ab" providerId="ADAL" clId="{9292C45E-1433-4A71-8365-899276F110AA}" dt="2023-08-08T09:26:09.834" v="352"/>
+          <pc:sldLayoutMkLst>
+            <pc:docMk/>
+            <pc:sldMasterMk cId="834984003" sldId="2147483684"/>
+            <pc:sldLayoutMk cId="39569829" sldId="2147483685"/>
+          </pc:sldLayoutMkLst>
+          <pc:spChg chg="mod">
+            <ac:chgData name="Diego Fernández Fernández" userId="d2614e5d-44be-4bc9-8b18-eb7d34c5f3ab" providerId="ADAL" clId="{9292C45E-1433-4A71-8365-899276F110AA}" dt="2023-08-08T09:26:09.834" v="352"/>
+            <ac:spMkLst>
+              <pc:docMk/>
+              <pc:sldMasterMk cId="834984003" sldId="2147483684"/>
+              <pc:sldLayoutMk cId="39569829" sldId="2147483685"/>
+              <ac:spMk id="2" creationId="{00000000-0000-0000-0000-000000000000}"/>
+            </ac:spMkLst>
+          </pc:spChg>
+          <pc:spChg chg="mod">
+            <ac:chgData name="Diego Fernández Fernández" userId="d2614e5d-44be-4bc9-8b18-eb7d34c5f3ab" providerId="ADAL" clId="{9292C45E-1433-4A71-8365-899276F110AA}" dt="2023-08-08T09:26:09.834" v="352"/>
+            <ac:spMkLst>
+              <pc:docMk/>
+              <pc:sldMasterMk cId="834984003" sldId="2147483684"/>
+              <pc:sldLayoutMk cId="39569829" sldId="2147483685"/>
+              <ac:spMk id="3" creationId="{00000000-0000-0000-0000-000000000000}"/>
+            </ac:spMkLst>
+          </pc:spChg>
+        </pc:sldLayoutChg>
+        <pc:sldLayoutChg chg="modSp">
+          <pc:chgData name="Diego Fernández Fernández" userId="d2614e5d-44be-4bc9-8b18-eb7d34c5f3ab" providerId="ADAL" clId="{9292C45E-1433-4A71-8365-899276F110AA}" dt="2023-08-08T09:26:09.834" v="352"/>
+          <pc:sldLayoutMkLst>
+            <pc:docMk/>
+            <pc:sldMasterMk cId="834984003" sldId="2147483684"/>
+            <pc:sldLayoutMk cId="1587206883" sldId="2147483687"/>
+          </pc:sldLayoutMkLst>
+          <pc:spChg chg="mod">
+            <ac:chgData name="Diego Fernández Fernández" userId="d2614e5d-44be-4bc9-8b18-eb7d34c5f3ab" providerId="ADAL" clId="{9292C45E-1433-4A71-8365-899276F110AA}" dt="2023-08-08T09:26:09.834" v="352"/>
+            <ac:spMkLst>
+              <pc:docMk/>
+              <pc:sldMasterMk cId="834984003" sldId="2147483684"/>
+              <pc:sldLayoutMk cId="1587206883" sldId="2147483687"/>
+              <ac:spMk id="2" creationId="{00000000-0000-0000-0000-000000000000}"/>
+            </ac:spMkLst>
+          </pc:spChg>
+          <pc:spChg chg="mod">
+            <ac:chgData name="Diego Fernández Fernández" userId="d2614e5d-44be-4bc9-8b18-eb7d34c5f3ab" providerId="ADAL" clId="{9292C45E-1433-4A71-8365-899276F110AA}" dt="2023-08-08T09:26:09.834" v="352"/>
+            <ac:spMkLst>
+              <pc:docMk/>
+              <pc:sldMasterMk cId="834984003" sldId="2147483684"/>
+              <pc:sldLayoutMk cId="1587206883" sldId="2147483687"/>
+              <ac:spMk id="3" creationId="{00000000-0000-0000-0000-000000000000}"/>
+            </ac:spMkLst>
+          </pc:spChg>
+        </pc:sldLayoutChg>
+        <pc:sldLayoutChg chg="modSp">
+          <pc:chgData name="Diego Fernández Fernández" userId="d2614e5d-44be-4bc9-8b18-eb7d34c5f3ab" providerId="ADAL" clId="{9292C45E-1433-4A71-8365-899276F110AA}" dt="2023-08-08T09:26:09.834" v="352"/>
+          <pc:sldLayoutMkLst>
+            <pc:docMk/>
+            <pc:sldMasterMk cId="834984003" sldId="2147483684"/>
+            <pc:sldLayoutMk cId="209709709" sldId="2147483688"/>
+          </pc:sldLayoutMkLst>
+          <pc:spChg chg="mod">
+            <ac:chgData name="Diego Fernández Fernández" userId="d2614e5d-44be-4bc9-8b18-eb7d34c5f3ab" providerId="ADAL" clId="{9292C45E-1433-4A71-8365-899276F110AA}" dt="2023-08-08T09:26:09.834" v="352"/>
+            <ac:spMkLst>
+              <pc:docMk/>
+              <pc:sldMasterMk cId="834984003" sldId="2147483684"/>
+              <pc:sldLayoutMk cId="209709709" sldId="2147483688"/>
+              <ac:spMk id="3" creationId="{00000000-0000-0000-0000-000000000000}"/>
+            </ac:spMkLst>
+          </pc:spChg>
+          <pc:spChg chg="mod">
+            <ac:chgData name="Diego Fernández Fernández" userId="d2614e5d-44be-4bc9-8b18-eb7d34c5f3ab" providerId="ADAL" clId="{9292C45E-1433-4A71-8365-899276F110AA}" dt="2023-08-08T09:26:09.834" v="352"/>
+            <ac:spMkLst>
+              <pc:docMk/>
+              <pc:sldMasterMk cId="834984003" sldId="2147483684"/>
+              <pc:sldLayoutMk cId="209709709" sldId="2147483688"/>
+              <ac:spMk id="4" creationId="{00000000-0000-0000-0000-000000000000}"/>
+            </ac:spMkLst>
+          </pc:spChg>
+        </pc:sldLayoutChg>
+        <pc:sldLayoutChg chg="modSp">
+          <pc:chgData name="Diego Fernández Fernández" userId="d2614e5d-44be-4bc9-8b18-eb7d34c5f3ab" providerId="ADAL" clId="{9292C45E-1433-4A71-8365-899276F110AA}" dt="2023-08-08T09:26:09.834" v="352"/>
+          <pc:sldLayoutMkLst>
+            <pc:docMk/>
+            <pc:sldMasterMk cId="834984003" sldId="2147483684"/>
+            <pc:sldLayoutMk cId="33850496" sldId="2147483689"/>
+          </pc:sldLayoutMkLst>
+          <pc:spChg chg="mod">
+            <ac:chgData name="Diego Fernández Fernández" userId="d2614e5d-44be-4bc9-8b18-eb7d34c5f3ab" providerId="ADAL" clId="{9292C45E-1433-4A71-8365-899276F110AA}" dt="2023-08-08T09:26:09.834" v="352"/>
+            <ac:spMkLst>
+              <pc:docMk/>
+              <pc:sldMasterMk cId="834984003" sldId="2147483684"/>
+              <pc:sldLayoutMk cId="33850496" sldId="2147483689"/>
+              <ac:spMk id="2" creationId="{00000000-0000-0000-0000-000000000000}"/>
+            </ac:spMkLst>
+          </pc:spChg>
+          <pc:spChg chg="mod">
+            <ac:chgData name="Diego Fernández Fernández" userId="d2614e5d-44be-4bc9-8b18-eb7d34c5f3ab" providerId="ADAL" clId="{9292C45E-1433-4A71-8365-899276F110AA}" dt="2023-08-08T09:26:09.834" v="352"/>
+            <ac:spMkLst>
+              <pc:docMk/>
+              <pc:sldMasterMk cId="834984003" sldId="2147483684"/>
+              <pc:sldLayoutMk cId="33850496" sldId="2147483689"/>
+              <ac:spMk id="3" creationId="{00000000-0000-0000-0000-000000000000}"/>
+            </ac:spMkLst>
+          </pc:spChg>
+          <pc:spChg chg="mod">
+            <ac:chgData name="Diego Fernández Fernández" userId="d2614e5d-44be-4bc9-8b18-eb7d34c5f3ab" providerId="ADAL" clId="{9292C45E-1433-4A71-8365-899276F110AA}" dt="2023-08-08T09:26:09.834" v="352"/>
+            <ac:spMkLst>
+              <pc:docMk/>
+              <pc:sldMasterMk cId="834984003" sldId="2147483684"/>
+              <pc:sldLayoutMk cId="33850496" sldId="2147483689"/>
+              <ac:spMk id="4" creationId="{00000000-0000-0000-0000-000000000000}"/>
+            </ac:spMkLst>
+          </pc:spChg>
+          <pc:spChg chg="mod">
+            <ac:chgData name="Diego Fernández Fernández" userId="d2614e5d-44be-4bc9-8b18-eb7d34c5f3ab" providerId="ADAL" clId="{9292C45E-1433-4A71-8365-899276F110AA}" dt="2023-08-08T09:26:09.834" v="352"/>
+            <ac:spMkLst>
+              <pc:docMk/>
+              <pc:sldMasterMk cId="834984003" sldId="2147483684"/>
+              <pc:sldLayoutMk cId="33850496" sldId="2147483689"/>
+              <ac:spMk id="5" creationId="{00000000-0000-0000-0000-000000000000}"/>
+            </ac:spMkLst>
+          </pc:spChg>
+          <pc:spChg chg="mod">
+            <ac:chgData name="Diego Fernández Fernández" userId="d2614e5d-44be-4bc9-8b18-eb7d34c5f3ab" providerId="ADAL" clId="{9292C45E-1433-4A71-8365-899276F110AA}" dt="2023-08-08T09:26:09.834" v="352"/>
+            <ac:spMkLst>
+              <pc:docMk/>
+              <pc:sldMasterMk cId="834984003" sldId="2147483684"/>
+              <pc:sldLayoutMk cId="33850496" sldId="2147483689"/>
+              <ac:spMk id="6" creationId="{00000000-0000-0000-0000-000000000000}"/>
+            </ac:spMkLst>
+          </pc:spChg>
+        </pc:sldLayoutChg>
+        <pc:sldLayoutChg chg="modSp">
+          <pc:chgData name="Diego Fernández Fernández" userId="d2614e5d-44be-4bc9-8b18-eb7d34c5f3ab" providerId="ADAL" clId="{9292C45E-1433-4A71-8365-899276F110AA}" dt="2023-08-08T09:26:09.834" v="352"/>
+          <pc:sldLayoutMkLst>
+            <pc:docMk/>
+            <pc:sldMasterMk cId="834984003" sldId="2147483684"/>
+            <pc:sldLayoutMk cId="3272374915" sldId="2147483692"/>
+          </pc:sldLayoutMkLst>
+          <pc:spChg chg="mod">
+            <ac:chgData name="Diego Fernández Fernández" userId="d2614e5d-44be-4bc9-8b18-eb7d34c5f3ab" providerId="ADAL" clId="{9292C45E-1433-4A71-8365-899276F110AA}" dt="2023-08-08T09:26:09.834" v="352"/>
+            <ac:spMkLst>
+              <pc:docMk/>
+              <pc:sldMasterMk cId="834984003" sldId="2147483684"/>
+              <pc:sldLayoutMk cId="3272374915" sldId="2147483692"/>
+              <ac:spMk id="2" creationId="{00000000-0000-0000-0000-000000000000}"/>
+            </ac:spMkLst>
+          </pc:spChg>
+          <pc:spChg chg="mod">
+            <ac:chgData name="Diego Fernández Fernández" userId="d2614e5d-44be-4bc9-8b18-eb7d34c5f3ab" providerId="ADAL" clId="{9292C45E-1433-4A71-8365-899276F110AA}" dt="2023-08-08T09:26:09.834" v="352"/>
+            <ac:spMkLst>
+              <pc:docMk/>
+              <pc:sldMasterMk cId="834984003" sldId="2147483684"/>
+              <pc:sldLayoutMk cId="3272374915" sldId="2147483692"/>
+              <ac:spMk id="3" creationId="{00000000-0000-0000-0000-000000000000}"/>
+            </ac:spMkLst>
+          </pc:spChg>
+          <pc:spChg chg="mod">
+            <ac:chgData name="Diego Fernández Fernández" userId="d2614e5d-44be-4bc9-8b18-eb7d34c5f3ab" providerId="ADAL" clId="{9292C45E-1433-4A71-8365-899276F110AA}" dt="2023-08-08T09:26:09.834" v="352"/>
+            <ac:spMkLst>
+              <pc:docMk/>
+              <pc:sldMasterMk cId="834984003" sldId="2147483684"/>
+              <pc:sldLayoutMk cId="3272374915" sldId="2147483692"/>
+              <ac:spMk id="4" creationId="{00000000-0000-0000-0000-000000000000}"/>
+            </ac:spMkLst>
+          </pc:spChg>
+        </pc:sldLayoutChg>
+        <pc:sldLayoutChg chg="modSp">
+          <pc:chgData name="Diego Fernández Fernández" userId="d2614e5d-44be-4bc9-8b18-eb7d34c5f3ab" providerId="ADAL" clId="{9292C45E-1433-4A71-8365-899276F110AA}" dt="2023-08-08T09:26:09.834" v="352"/>
+          <pc:sldLayoutMkLst>
+            <pc:docMk/>
+            <pc:sldMasterMk cId="834984003" sldId="2147483684"/>
+            <pc:sldLayoutMk cId="3043668539" sldId="2147483693"/>
+          </pc:sldLayoutMkLst>
+          <pc:spChg chg="mod">
+            <ac:chgData name="Diego Fernández Fernández" userId="d2614e5d-44be-4bc9-8b18-eb7d34c5f3ab" providerId="ADAL" clId="{9292C45E-1433-4A71-8365-899276F110AA}" dt="2023-08-08T09:26:09.834" v="352"/>
+            <ac:spMkLst>
+              <pc:docMk/>
+              <pc:sldMasterMk cId="834984003" sldId="2147483684"/>
+              <pc:sldLayoutMk cId="3043668539" sldId="2147483693"/>
+              <ac:spMk id="2" creationId="{00000000-0000-0000-0000-000000000000}"/>
+            </ac:spMkLst>
+          </pc:spChg>
+          <pc:spChg chg="mod">
+            <ac:chgData name="Diego Fernández Fernández" userId="d2614e5d-44be-4bc9-8b18-eb7d34c5f3ab" providerId="ADAL" clId="{9292C45E-1433-4A71-8365-899276F110AA}" dt="2023-08-08T09:26:09.834" v="352"/>
+            <ac:spMkLst>
+              <pc:docMk/>
+              <pc:sldMasterMk cId="834984003" sldId="2147483684"/>
+              <pc:sldLayoutMk cId="3043668539" sldId="2147483693"/>
+              <ac:spMk id="3" creationId="{00000000-0000-0000-0000-000000000000}"/>
+            </ac:spMkLst>
+          </pc:spChg>
+          <pc:spChg chg="mod">
+            <ac:chgData name="Diego Fernández Fernández" userId="d2614e5d-44be-4bc9-8b18-eb7d34c5f3ab" providerId="ADAL" clId="{9292C45E-1433-4A71-8365-899276F110AA}" dt="2023-08-08T09:26:09.834" v="352"/>
+            <ac:spMkLst>
+              <pc:docMk/>
+              <pc:sldMasterMk cId="834984003" sldId="2147483684"/>
+              <pc:sldLayoutMk cId="3043668539" sldId="2147483693"/>
+              <ac:spMk id="4" creationId="{00000000-0000-0000-0000-000000000000}"/>
+            </ac:spMkLst>
+          </pc:spChg>
+        </pc:sldLayoutChg>
+        <pc:sldLayoutChg chg="modSp">
+          <pc:chgData name="Diego Fernández Fernández" userId="d2614e5d-44be-4bc9-8b18-eb7d34c5f3ab" providerId="ADAL" clId="{9292C45E-1433-4A71-8365-899276F110AA}" dt="2023-08-08T09:26:09.834" v="352"/>
+          <pc:sldLayoutMkLst>
+            <pc:docMk/>
+            <pc:sldMasterMk cId="834984003" sldId="2147483684"/>
+            <pc:sldLayoutMk cId="2378951238" sldId="2147483695"/>
+          </pc:sldLayoutMkLst>
+          <pc:spChg chg="mod">
+            <ac:chgData name="Diego Fernández Fernández" userId="d2614e5d-44be-4bc9-8b18-eb7d34c5f3ab" providerId="ADAL" clId="{9292C45E-1433-4A71-8365-899276F110AA}" dt="2023-08-08T09:26:09.834" v="352"/>
+            <ac:spMkLst>
+              <pc:docMk/>
+              <pc:sldMasterMk cId="834984003" sldId="2147483684"/>
+              <pc:sldLayoutMk cId="2378951238" sldId="2147483695"/>
+              <ac:spMk id="2" creationId="{00000000-0000-0000-0000-000000000000}"/>
+            </ac:spMkLst>
+          </pc:spChg>
+          <pc:spChg chg="mod">
+            <ac:chgData name="Diego Fernández Fernández" userId="d2614e5d-44be-4bc9-8b18-eb7d34c5f3ab" providerId="ADAL" clId="{9292C45E-1433-4A71-8365-899276F110AA}" dt="2023-08-08T09:26:09.834" v="352"/>
+            <ac:spMkLst>
+              <pc:docMk/>
+              <pc:sldMasterMk cId="834984003" sldId="2147483684"/>
+              <pc:sldLayoutMk cId="2378951238" sldId="2147483695"/>
+              <ac:spMk id="3" creationId="{00000000-0000-0000-0000-000000000000}"/>
+            </ac:spMkLst>
+          </pc:spChg>
+        </pc:sldLayoutChg>
+      </pc:sldMasterChg>
     </pc:docChg>
   </pc:docChgLst>
   <pc:docChgLst>
@@ -410,15 +716,15 @@
         </p:nvSpPr>
         <p:spPr>
           <a:xfrm>
-            <a:off x="742950" y="1122363"/>
-            <a:ext cx="8420100" cy="2387600"/>
+            <a:off x="742950" y="1178222"/>
+            <a:ext cx="8420100" cy="2506427"/>
           </a:xfrm>
         </p:spPr>
         <p:txBody>
           <a:bodyPr anchor="b"/>
           <a:lstStyle>
             <a:lvl1pPr algn="ctr">
-              <a:defRPr sz="6000"/>
+              <a:defRPr sz="6299"/>
             </a:lvl1pPr>
           </a:lstStyle>
           <a:p>
@@ -442,8 +748,8 @@
         </p:nvSpPr>
         <p:spPr>
           <a:xfrm>
-            <a:off x="1238250" y="3602038"/>
-            <a:ext cx="7429500" cy="1655762"/>
+            <a:off x="1238250" y="3781306"/>
+            <a:ext cx="7429500" cy="1738167"/>
           </a:xfrm>
         </p:spPr>
         <p:txBody>
@@ -451,39 +757,39 @@
           <a:lstStyle>
             <a:lvl1pPr marL="0" indent="0" algn="ctr">
               <a:buNone/>
-              <a:defRPr sz="2400"/>
+              <a:defRPr sz="2520"/>
             </a:lvl1pPr>
-            <a:lvl2pPr marL="457200" indent="0" algn="ctr">
-              <a:buNone/>
-              <a:defRPr sz="2000"/>
+            <a:lvl2pPr marL="479969" indent="0" algn="ctr">
+              <a:buNone/>
+              <a:defRPr sz="2100"/>
             </a:lvl2pPr>
-            <a:lvl3pPr marL="914400" indent="0" algn="ctr">
-              <a:buNone/>
-              <a:defRPr sz="1800"/>
+            <a:lvl3pPr marL="959937" indent="0" algn="ctr">
+              <a:buNone/>
+              <a:defRPr sz="1890"/>
             </a:lvl3pPr>
-            <a:lvl4pPr marL="1371600" indent="0" algn="ctr">
-              <a:buNone/>
-              <a:defRPr sz="1600"/>
+            <a:lvl4pPr marL="1439906" indent="0" algn="ctr">
+              <a:buNone/>
+              <a:defRPr sz="1680"/>
             </a:lvl4pPr>
-            <a:lvl5pPr marL="1828800" indent="0" algn="ctr">
-              <a:buNone/>
-              <a:defRPr sz="1600"/>
+            <a:lvl5pPr marL="1919874" indent="0" algn="ctr">
+              <a:buNone/>
+              <a:defRPr sz="1680"/>
             </a:lvl5pPr>
-            <a:lvl6pPr marL="2286000" indent="0" algn="ctr">
-              <a:buNone/>
-              <a:defRPr sz="1600"/>
+            <a:lvl6pPr marL="2399843" indent="0" algn="ctr">
+              <a:buNone/>
+              <a:defRPr sz="1680"/>
             </a:lvl6pPr>
-            <a:lvl7pPr marL="2743200" indent="0" algn="ctr">
-              <a:buNone/>
-              <a:defRPr sz="1600"/>
+            <a:lvl7pPr marL="2879811" indent="0" algn="ctr">
+              <a:buNone/>
+              <a:defRPr sz="1680"/>
             </a:lvl7pPr>
-            <a:lvl8pPr marL="3200400" indent="0" algn="ctr">
-              <a:buNone/>
-              <a:defRPr sz="1600"/>
+            <a:lvl8pPr marL="3359780" indent="0" algn="ctr">
+              <a:buNone/>
+              <a:defRPr sz="1680"/>
             </a:lvl8pPr>
-            <a:lvl9pPr marL="3657600" indent="0" algn="ctr">
-              <a:buNone/>
-              <a:defRPr sz="1600"/>
+            <a:lvl9pPr marL="3839748" indent="0" algn="ctr">
+              <a:buNone/>
+              <a:defRPr sz="1680"/>
             </a:lvl9pPr>
           </a:lstStyle>
           <a:p>
@@ -512,7 +818,7 @@
           <a:p>
             <a:fld id="{0A5B8D1D-1B69-4EDB-9D90-B9BD63A0ED4F}" type="datetimeFigureOut">
               <a:rPr lang="en-US" smtClean="0"/>
-              <a:t>8/5/2023</a:t>
+              <a:t>8/8/2023</a:t>
             </a:fld>
             <a:endParaRPr lang="en-US"/>
           </a:p>
@@ -563,7 +869,7 @@
     </p:spTree>
     <p:extLst>
       <p:ext uri="{BB962C8B-B14F-4D97-AF65-F5344CB8AC3E}">
-        <p14:creationId xmlns:p14="http://schemas.microsoft.com/office/powerpoint/2010/main" val="39569829"/>
+        <p14:creationId xmlns:p14="http://schemas.microsoft.com/office/powerpoint/2010/main" val="1502927029"/>
       </p:ext>
     </p:extLst>
   </p:cSld>
@@ -682,7 +988,7 @@
           <a:p>
             <a:fld id="{0A5B8D1D-1B69-4EDB-9D90-B9BD63A0ED4F}" type="datetimeFigureOut">
               <a:rPr lang="en-US" smtClean="0"/>
-              <a:t>8/5/2023</a:t>
+              <a:t>8/8/2023</a:t>
             </a:fld>
             <a:endParaRPr lang="en-US"/>
           </a:p>
@@ -733,7 +1039,7 @@
     </p:spTree>
     <p:extLst>
       <p:ext uri="{BB962C8B-B14F-4D97-AF65-F5344CB8AC3E}">
-        <p14:creationId xmlns:p14="http://schemas.microsoft.com/office/powerpoint/2010/main" val="3845276470"/>
+        <p14:creationId xmlns:p14="http://schemas.microsoft.com/office/powerpoint/2010/main" val="1469897266"/>
       </p:ext>
     </p:extLst>
   </p:cSld>
@@ -772,8 +1078,8 @@
         </p:nvSpPr>
         <p:spPr>
           <a:xfrm>
-            <a:off x="7088982" y="365125"/>
-            <a:ext cx="2135981" cy="5811838"/>
+            <a:off x="7088982" y="383297"/>
+            <a:ext cx="2135981" cy="6101085"/>
           </a:xfrm>
         </p:spPr>
         <p:txBody>
@@ -800,8 +1106,8 @@
         </p:nvSpPr>
         <p:spPr>
           <a:xfrm>
-            <a:off x="681038" y="365125"/>
-            <a:ext cx="6284119" cy="5811838"/>
+            <a:off x="681038" y="383297"/>
+            <a:ext cx="6284119" cy="6101085"/>
           </a:xfrm>
         </p:spPr>
         <p:txBody>
@@ -862,7 +1168,7 @@
           <a:p>
             <a:fld id="{0A5B8D1D-1B69-4EDB-9D90-B9BD63A0ED4F}" type="datetimeFigureOut">
               <a:rPr lang="en-US" smtClean="0"/>
-              <a:t>8/5/2023</a:t>
+              <a:t>8/8/2023</a:t>
             </a:fld>
             <a:endParaRPr lang="en-US"/>
           </a:p>
@@ -913,7 +1219,7 @@
     </p:spTree>
     <p:extLst>
       <p:ext uri="{BB962C8B-B14F-4D97-AF65-F5344CB8AC3E}">
-        <p14:creationId xmlns:p14="http://schemas.microsoft.com/office/powerpoint/2010/main" val="2378951238"/>
+        <p14:creationId xmlns:p14="http://schemas.microsoft.com/office/powerpoint/2010/main" val="1004724228"/>
       </p:ext>
     </p:extLst>
   </p:cSld>
@@ -1032,7 +1338,7 @@
           <a:p>
             <a:fld id="{0A5B8D1D-1B69-4EDB-9D90-B9BD63A0ED4F}" type="datetimeFigureOut">
               <a:rPr lang="en-US" smtClean="0"/>
-              <a:t>8/5/2023</a:t>
+              <a:t>8/8/2023</a:t>
             </a:fld>
             <a:endParaRPr lang="en-US"/>
           </a:p>
@@ -1083,7 +1389,7 @@
     </p:spTree>
     <p:extLst>
       <p:ext uri="{BB962C8B-B14F-4D97-AF65-F5344CB8AC3E}">
-        <p14:creationId xmlns:p14="http://schemas.microsoft.com/office/powerpoint/2010/main" val="2047045686"/>
+        <p14:creationId xmlns:p14="http://schemas.microsoft.com/office/powerpoint/2010/main" val="3686536398"/>
       </p:ext>
     </p:extLst>
   </p:cSld>
@@ -1122,15 +1428,15 @@
         </p:nvSpPr>
         <p:spPr>
           <a:xfrm>
-            <a:off x="675879" y="1709740"/>
-            <a:ext cx="8543925" cy="2852737"/>
+            <a:off x="675879" y="1794831"/>
+            <a:ext cx="8543925" cy="2994714"/>
           </a:xfrm>
         </p:spPr>
         <p:txBody>
           <a:bodyPr anchor="b"/>
           <a:lstStyle>
             <a:lvl1pPr>
-              <a:defRPr sz="6000"/>
+              <a:defRPr sz="6299"/>
             </a:lvl1pPr>
           </a:lstStyle>
           <a:p>
@@ -1154,8 +1460,8 @@
         </p:nvSpPr>
         <p:spPr>
           <a:xfrm>
-            <a:off x="675879" y="4589465"/>
-            <a:ext cx="8543925" cy="1500187"/>
+            <a:off x="675879" y="4817876"/>
+            <a:ext cx="8543925" cy="1574849"/>
           </a:xfrm>
         </p:spPr>
         <p:txBody>
@@ -1163,15 +1469,15 @@
           <a:lstStyle>
             <a:lvl1pPr marL="0" indent="0">
               <a:buNone/>
-              <a:defRPr sz="2400">
+              <a:defRPr sz="2520">
                 <a:solidFill>
                   <a:schemeClr val="tx1"/>
                 </a:solidFill>
               </a:defRPr>
             </a:lvl1pPr>
-            <a:lvl2pPr marL="457200" indent="0">
-              <a:buNone/>
-              <a:defRPr sz="2000">
+            <a:lvl2pPr marL="479969" indent="0">
+              <a:buNone/>
+              <a:defRPr sz="2100">
                 <a:solidFill>
                   <a:schemeClr val="tx1">
                     <a:tint val="75000"/>
@@ -1179,9 +1485,9 @@
                 </a:solidFill>
               </a:defRPr>
             </a:lvl2pPr>
-            <a:lvl3pPr marL="914400" indent="0">
-              <a:buNone/>
-              <a:defRPr sz="1800">
+            <a:lvl3pPr marL="959937" indent="0">
+              <a:buNone/>
+              <a:defRPr sz="1890">
                 <a:solidFill>
                   <a:schemeClr val="tx1">
                     <a:tint val="75000"/>
@@ -1189,9 +1495,9 @@
                 </a:solidFill>
               </a:defRPr>
             </a:lvl3pPr>
-            <a:lvl4pPr marL="1371600" indent="0">
-              <a:buNone/>
-              <a:defRPr sz="1600">
+            <a:lvl4pPr marL="1439906" indent="0">
+              <a:buNone/>
+              <a:defRPr sz="1680">
                 <a:solidFill>
                   <a:schemeClr val="tx1">
                     <a:tint val="75000"/>
@@ -1199,9 +1505,9 @@
                 </a:solidFill>
               </a:defRPr>
             </a:lvl4pPr>
-            <a:lvl5pPr marL="1828800" indent="0">
-              <a:buNone/>
-              <a:defRPr sz="1600">
+            <a:lvl5pPr marL="1919874" indent="0">
+              <a:buNone/>
+              <a:defRPr sz="1680">
                 <a:solidFill>
                   <a:schemeClr val="tx1">
                     <a:tint val="75000"/>
@@ -1209,9 +1515,9 @@
                 </a:solidFill>
               </a:defRPr>
             </a:lvl5pPr>
-            <a:lvl6pPr marL="2286000" indent="0">
-              <a:buNone/>
-              <a:defRPr sz="1600">
+            <a:lvl6pPr marL="2399843" indent="0">
+              <a:buNone/>
+              <a:defRPr sz="1680">
                 <a:solidFill>
                   <a:schemeClr val="tx1">
                     <a:tint val="75000"/>
@@ -1219,9 +1525,9 @@
                 </a:solidFill>
               </a:defRPr>
             </a:lvl6pPr>
-            <a:lvl7pPr marL="2743200" indent="0">
-              <a:buNone/>
-              <a:defRPr sz="1600">
+            <a:lvl7pPr marL="2879811" indent="0">
+              <a:buNone/>
+              <a:defRPr sz="1680">
                 <a:solidFill>
                   <a:schemeClr val="tx1">
                     <a:tint val="75000"/>
@@ -1229,9 +1535,9 @@
                 </a:solidFill>
               </a:defRPr>
             </a:lvl7pPr>
-            <a:lvl8pPr marL="3200400" indent="0">
-              <a:buNone/>
-              <a:defRPr sz="1600">
+            <a:lvl8pPr marL="3359780" indent="0">
+              <a:buNone/>
+              <a:defRPr sz="1680">
                 <a:solidFill>
                   <a:schemeClr val="tx1">
                     <a:tint val="75000"/>
@@ -1239,9 +1545,9 @@
                 </a:solidFill>
               </a:defRPr>
             </a:lvl8pPr>
-            <a:lvl9pPr marL="3657600" indent="0">
-              <a:buNone/>
-              <a:defRPr sz="1600">
+            <a:lvl9pPr marL="3839748" indent="0">
+              <a:buNone/>
+              <a:defRPr sz="1680">
                 <a:solidFill>
                   <a:schemeClr val="tx1">
                     <a:tint val="75000"/>
@@ -1276,7 +1582,7 @@
           <a:p>
             <a:fld id="{0A5B8D1D-1B69-4EDB-9D90-B9BD63A0ED4F}" type="datetimeFigureOut">
               <a:rPr lang="en-US" smtClean="0"/>
-              <a:t>8/5/2023</a:t>
+              <a:t>8/8/2023</a:t>
             </a:fld>
             <a:endParaRPr lang="en-US"/>
           </a:p>
@@ -1327,7 +1633,7 @@
     </p:spTree>
     <p:extLst>
       <p:ext uri="{BB962C8B-B14F-4D97-AF65-F5344CB8AC3E}">
-        <p14:creationId xmlns:p14="http://schemas.microsoft.com/office/powerpoint/2010/main" val="1587206883"/>
+        <p14:creationId xmlns:p14="http://schemas.microsoft.com/office/powerpoint/2010/main" val="2083973034"/>
       </p:ext>
     </p:extLst>
   </p:cSld>
@@ -1389,8 +1695,8 @@
         </p:nvSpPr>
         <p:spPr>
           <a:xfrm>
-            <a:off x="681038" y="1825625"/>
-            <a:ext cx="4210050" cy="4351338"/>
+            <a:off x="681038" y="1916484"/>
+            <a:ext cx="4210050" cy="4567898"/>
           </a:xfrm>
         </p:spPr>
         <p:txBody>
@@ -1446,8 +1752,8 @@
         </p:nvSpPr>
         <p:spPr>
           <a:xfrm>
-            <a:off x="5014913" y="1825625"/>
-            <a:ext cx="4210050" cy="4351338"/>
+            <a:off x="5014913" y="1916484"/>
+            <a:ext cx="4210050" cy="4567898"/>
           </a:xfrm>
         </p:spPr>
         <p:txBody>
@@ -1508,7 +1814,7 @@
           <a:p>
             <a:fld id="{0A5B8D1D-1B69-4EDB-9D90-B9BD63A0ED4F}" type="datetimeFigureOut">
               <a:rPr lang="en-US" smtClean="0"/>
-              <a:t>8/5/2023</a:t>
+              <a:t>8/8/2023</a:t>
             </a:fld>
             <a:endParaRPr lang="en-US"/>
           </a:p>
@@ -1559,7 +1865,7 @@
     </p:spTree>
     <p:extLst>
       <p:ext uri="{BB962C8B-B14F-4D97-AF65-F5344CB8AC3E}">
-        <p14:creationId xmlns:p14="http://schemas.microsoft.com/office/powerpoint/2010/main" val="209709709"/>
+        <p14:creationId xmlns:p14="http://schemas.microsoft.com/office/powerpoint/2010/main" val="1234950814"/>
       </p:ext>
     </p:extLst>
   </p:cSld>
@@ -1598,8 +1904,8 @@
         </p:nvSpPr>
         <p:spPr>
           <a:xfrm>
-            <a:off x="682328" y="365127"/>
-            <a:ext cx="8543925" cy="1325563"/>
+            <a:off x="682328" y="383299"/>
+            <a:ext cx="8543925" cy="1391534"/>
           </a:xfrm>
         </p:spPr>
         <p:txBody>
@@ -1626,8 +1932,8 @@
         </p:nvSpPr>
         <p:spPr>
           <a:xfrm>
-            <a:off x="682329" y="1681163"/>
-            <a:ext cx="4190702" cy="823912"/>
+            <a:off x="682329" y="1764832"/>
+            <a:ext cx="4190702" cy="864917"/>
           </a:xfrm>
         </p:spPr>
         <p:txBody>
@@ -1635,39 +1941,39 @@
           <a:lstStyle>
             <a:lvl1pPr marL="0" indent="0">
               <a:buNone/>
-              <a:defRPr sz="2400" b="1"/>
+              <a:defRPr sz="2520" b="1"/>
             </a:lvl1pPr>
-            <a:lvl2pPr marL="457200" indent="0">
-              <a:buNone/>
-              <a:defRPr sz="2000" b="1"/>
+            <a:lvl2pPr marL="479969" indent="0">
+              <a:buNone/>
+              <a:defRPr sz="2100" b="1"/>
             </a:lvl2pPr>
-            <a:lvl3pPr marL="914400" indent="0">
-              <a:buNone/>
-              <a:defRPr sz="1800" b="1"/>
+            <a:lvl3pPr marL="959937" indent="0">
+              <a:buNone/>
+              <a:defRPr sz="1890" b="1"/>
             </a:lvl3pPr>
-            <a:lvl4pPr marL="1371600" indent="0">
-              <a:buNone/>
-              <a:defRPr sz="1600" b="1"/>
+            <a:lvl4pPr marL="1439906" indent="0">
+              <a:buNone/>
+              <a:defRPr sz="1680" b="1"/>
             </a:lvl4pPr>
-            <a:lvl5pPr marL="1828800" indent="0">
-              <a:buNone/>
-              <a:defRPr sz="1600" b="1"/>
+            <a:lvl5pPr marL="1919874" indent="0">
+              <a:buNone/>
+              <a:defRPr sz="1680" b="1"/>
             </a:lvl5pPr>
-            <a:lvl6pPr marL="2286000" indent="0">
-              <a:buNone/>
-              <a:defRPr sz="1600" b="1"/>
+            <a:lvl6pPr marL="2399843" indent="0">
+              <a:buNone/>
+              <a:defRPr sz="1680" b="1"/>
             </a:lvl6pPr>
-            <a:lvl7pPr marL="2743200" indent="0">
-              <a:buNone/>
-              <a:defRPr sz="1600" b="1"/>
+            <a:lvl7pPr marL="2879811" indent="0">
+              <a:buNone/>
+              <a:defRPr sz="1680" b="1"/>
             </a:lvl7pPr>
-            <a:lvl8pPr marL="3200400" indent="0">
-              <a:buNone/>
-              <a:defRPr sz="1600" b="1"/>
+            <a:lvl8pPr marL="3359780" indent="0">
+              <a:buNone/>
+              <a:defRPr sz="1680" b="1"/>
             </a:lvl8pPr>
-            <a:lvl9pPr marL="3657600" indent="0">
-              <a:buNone/>
-              <a:defRPr sz="1600" b="1"/>
+            <a:lvl9pPr marL="3839748" indent="0">
+              <a:buNone/>
+              <a:defRPr sz="1680" b="1"/>
             </a:lvl9pPr>
           </a:lstStyle>
           <a:p>
@@ -1691,8 +1997,8 @@
         </p:nvSpPr>
         <p:spPr>
           <a:xfrm>
-            <a:off x="682329" y="2505075"/>
-            <a:ext cx="4190702" cy="3684588"/>
+            <a:off x="682329" y="2629749"/>
+            <a:ext cx="4190702" cy="3867965"/>
           </a:xfrm>
         </p:spPr>
         <p:txBody>
@@ -1748,8 +2054,8 @@
         </p:nvSpPr>
         <p:spPr>
           <a:xfrm>
-            <a:off x="5014913" y="1681163"/>
-            <a:ext cx="4211340" cy="823912"/>
+            <a:off x="5014913" y="1764832"/>
+            <a:ext cx="4211340" cy="864917"/>
           </a:xfrm>
         </p:spPr>
         <p:txBody>
@@ -1757,39 +2063,39 @@
           <a:lstStyle>
             <a:lvl1pPr marL="0" indent="0">
               <a:buNone/>
-              <a:defRPr sz="2400" b="1"/>
+              <a:defRPr sz="2520" b="1"/>
             </a:lvl1pPr>
-            <a:lvl2pPr marL="457200" indent="0">
-              <a:buNone/>
-              <a:defRPr sz="2000" b="1"/>
+            <a:lvl2pPr marL="479969" indent="0">
+              <a:buNone/>
+              <a:defRPr sz="2100" b="1"/>
             </a:lvl2pPr>
-            <a:lvl3pPr marL="914400" indent="0">
-              <a:buNone/>
-              <a:defRPr sz="1800" b="1"/>
+            <a:lvl3pPr marL="959937" indent="0">
+              <a:buNone/>
+              <a:defRPr sz="1890" b="1"/>
             </a:lvl3pPr>
-            <a:lvl4pPr marL="1371600" indent="0">
-              <a:buNone/>
-              <a:defRPr sz="1600" b="1"/>
+            <a:lvl4pPr marL="1439906" indent="0">
+              <a:buNone/>
+              <a:defRPr sz="1680" b="1"/>
             </a:lvl4pPr>
-            <a:lvl5pPr marL="1828800" indent="0">
-              <a:buNone/>
-              <a:defRPr sz="1600" b="1"/>
+            <a:lvl5pPr marL="1919874" indent="0">
+              <a:buNone/>
+              <a:defRPr sz="1680" b="1"/>
             </a:lvl5pPr>
-            <a:lvl6pPr marL="2286000" indent="0">
-              <a:buNone/>
-              <a:defRPr sz="1600" b="1"/>
+            <a:lvl6pPr marL="2399843" indent="0">
+              <a:buNone/>
+              <a:defRPr sz="1680" b="1"/>
             </a:lvl6pPr>
-            <a:lvl7pPr marL="2743200" indent="0">
-              <a:buNone/>
-              <a:defRPr sz="1600" b="1"/>
+            <a:lvl7pPr marL="2879811" indent="0">
+              <a:buNone/>
+              <a:defRPr sz="1680" b="1"/>
             </a:lvl7pPr>
-            <a:lvl8pPr marL="3200400" indent="0">
-              <a:buNone/>
-              <a:defRPr sz="1600" b="1"/>
+            <a:lvl8pPr marL="3359780" indent="0">
+              <a:buNone/>
+              <a:defRPr sz="1680" b="1"/>
             </a:lvl8pPr>
-            <a:lvl9pPr marL="3657600" indent="0">
-              <a:buNone/>
-              <a:defRPr sz="1600" b="1"/>
+            <a:lvl9pPr marL="3839748" indent="0">
+              <a:buNone/>
+              <a:defRPr sz="1680" b="1"/>
             </a:lvl9pPr>
           </a:lstStyle>
           <a:p>
@@ -1813,8 +2119,8 @@
         </p:nvSpPr>
         <p:spPr>
           <a:xfrm>
-            <a:off x="5014913" y="2505075"/>
-            <a:ext cx="4211340" cy="3684588"/>
+            <a:off x="5014913" y="2629749"/>
+            <a:ext cx="4211340" cy="3867965"/>
           </a:xfrm>
         </p:spPr>
         <p:txBody>
@@ -1875,7 +2181,7 @@
           <a:p>
             <a:fld id="{0A5B8D1D-1B69-4EDB-9D90-B9BD63A0ED4F}" type="datetimeFigureOut">
               <a:rPr lang="en-US" smtClean="0"/>
-              <a:t>8/5/2023</a:t>
+              <a:t>8/8/2023</a:t>
             </a:fld>
             <a:endParaRPr lang="en-US"/>
           </a:p>
@@ -1926,7 +2232,7 @@
     </p:spTree>
     <p:extLst>
       <p:ext uri="{BB962C8B-B14F-4D97-AF65-F5344CB8AC3E}">
-        <p14:creationId xmlns:p14="http://schemas.microsoft.com/office/powerpoint/2010/main" val="33850496"/>
+        <p14:creationId xmlns:p14="http://schemas.microsoft.com/office/powerpoint/2010/main" val="589896900"/>
       </p:ext>
     </p:extLst>
   </p:cSld>
@@ -1993,7 +2299,7 @@
           <a:p>
             <a:fld id="{0A5B8D1D-1B69-4EDB-9D90-B9BD63A0ED4F}" type="datetimeFigureOut">
               <a:rPr lang="en-US" smtClean="0"/>
-              <a:t>8/5/2023</a:t>
+              <a:t>8/8/2023</a:t>
             </a:fld>
             <a:endParaRPr lang="en-US"/>
           </a:p>
@@ -2044,7 +2350,7 @@
     </p:spTree>
     <p:extLst>
       <p:ext uri="{BB962C8B-B14F-4D97-AF65-F5344CB8AC3E}">
-        <p14:creationId xmlns:p14="http://schemas.microsoft.com/office/powerpoint/2010/main" val="2217312659"/>
+        <p14:creationId xmlns:p14="http://schemas.microsoft.com/office/powerpoint/2010/main" val="402169286"/>
       </p:ext>
     </p:extLst>
   </p:cSld>
@@ -2088,7 +2394,7 @@
           <a:p>
             <a:fld id="{0A5B8D1D-1B69-4EDB-9D90-B9BD63A0ED4F}" type="datetimeFigureOut">
               <a:rPr lang="en-US" smtClean="0"/>
-              <a:t>8/5/2023</a:t>
+              <a:t>8/8/2023</a:t>
             </a:fld>
             <a:endParaRPr lang="en-US"/>
           </a:p>
@@ -2139,7 +2445,7 @@
     </p:spTree>
     <p:extLst>
       <p:ext uri="{BB962C8B-B14F-4D97-AF65-F5344CB8AC3E}">
-        <p14:creationId xmlns:p14="http://schemas.microsoft.com/office/powerpoint/2010/main" val="844238836"/>
+        <p14:creationId xmlns:p14="http://schemas.microsoft.com/office/powerpoint/2010/main" val="37569146"/>
       </p:ext>
     </p:extLst>
   </p:cSld>
@@ -2178,15 +2484,15 @@
         </p:nvSpPr>
         <p:spPr>
           <a:xfrm>
-            <a:off x="682328" y="457200"/>
-            <a:ext cx="3194943" cy="1600200"/>
+            <a:off x="682328" y="479954"/>
+            <a:ext cx="3194943" cy="1679840"/>
           </a:xfrm>
         </p:spPr>
         <p:txBody>
           <a:bodyPr anchor="b"/>
           <a:lstStyle>
             <a:lvl1pPr>
-              <a:defRPr sz="3200"/>
+              <a:defRPr sz="3359"/>
             </a:lvl1pPr>
           </a:lstStyle>
           <a:p>
@@ -2210,39 +2516,39 @@
         </p:nvSpPr>
         <p:spPr>
           <a:xfrm>
-            <a:off x="4211340" y="987427"/>
-            <a:ext cx="5014913" cy="4873625"/>
+            <a:off x="4211340" y="1036570"/>
+            <a:ext cx="5014913" cy="5116178"/>
           </a:xfrm>
         </p:spPr>
         <p:txBody>
           <a:bodyPr/>
           <a:lstStyle>
             <a:lvl1pPr>
-              <a:defRPr sz="3200"/>
+              <a:defRPr sz="3359"/>
             </a:lvl1pPr>
             <a:lvl2pPr>
-              <a:defRPr sz="2800"/>
+              <a:defRPr sz="2939"/>
             </a:lvl2pPr>
             <a:lvl3pPr>
-              <a:defRPr sz="2400"/>
+              <a:defRPr sz="2520"/>
             </a:lvl3pPr>
             <a:lvl4pPr>
-              <a:defRPr sz="2000"/>
+              <a:defRPr sz="2100"/>
             </a:lvl4pPr>
             <a:lvl5pPr>
-              <a:defRPr sz="2000"/>
+              <a:defRPr sz="2100"/>
             </a:lvl5pPr>
             <a:lvl6pPr>
-              <a:defRPr sz="2000"/>
+              <a:defRPr sz="2100"/>
             </a:lvl6pPr>
             <a:lvl7pPr>
-              <a:defRPr sz="2000"/>
+              <a:defRPr sz="2100"/>
             </a:lvl7pPr>
             <a:lvl8pPr>
-              <a:defRPr sz="2000"/>
+              <a:defRPr sz="2100"/>
             </a:lvl8pPr>
             <a:lvl9pPr>
-              <a:defRPr sz="2000"/>
+              <a:defRPr sz="2100"/>
             </a:lvl9pPr>
           </a:lstStyle>
           <a:p>
@@ -2295,8 +2601,8 @@
         </p:nvSpPr>
         <p:spPr>
           <a:xfrm>
-            <a:off x="682328" y="2057400"/>
-            <a:ext cx="3194943" cy="3811588"/>
+            <a:off x="682328" y="2159794"/>
+            <a:ext cx="3194943" cy="4001285"/>
           </a:xfrm>
         </p:spPr>
         <p:txBody>
@@ -2304,39 +2610,39 @@
           <a:lstStyle>
             <a:lvl1pPr marL="0" indent="0">
               <a:buNone/>
-              <a:defRPr sz="1600"/>
+              <a:defRPr sz="1680"/>
             </a:lvl1pPr>
-            <a:lvl2pPr marL="457200" indent="0">
-              <a:buNone/>
-              <a:defRPr sz="1400"/>
+            <a:lvl2pPr marL="479969" indent="0">
+              <a:buNone/>
+              <a:defRPr sz="1470"/>
             </a:lvl2pPr>
-            <a:lvl3pPr marL="914400" indent="0">
-              <a:buNone/>
-              <a:defRPr sz="1200"/>
+            <a:lvl3pPr marL="959937" indent="0">
+              <a:buNone/>
+              <a:defRPr sz="1260"/>
             </a:lvl3pPr>
-            <a:lvl4pPr marL="1371600" indent="0">
-              <a:buNone/>
-              <a:defRPr sz="1000"/>
+            <a:lvl4pPr marL="1439906" indent="0">
+              <a:buNone/>
+              <a:defRPr sz="1050"/>
             </a:lvl4pPr>
-            <a:lvl5pPr marL="1828800" indent="0">
-              <a:buNone/>
-              <a:defRPr sz="1000"/>
+            <a:lvl5pPr marL="1919874" indent="0">
+              <a:buNone/>
+              <a:defRPr sz="1050"/>
             </a:lvl5pPr>
-            <a:lvl6pPr marL="2286000" indent="0">
-              <a:buNone/>
-              <a:defRPr sz="1000"/>
+            <a:lvl6pPr marL="2399843" indent="0">
+              <a:buNone/>
+              <a:defRPr sz="1050"/>
             </a:lvl6pPr>
-            <a:lvl7pPr marL="2743200" indent="0">
-              <a:buNone/>
-              <a:defRPr sz="1000"/>
+            <a:lvl7pPr marL="2879811" indent="0">
+              <a:buNone/>
+              <a:defRPr sz="1050"/>
             </a:lvl7pPr>
-            <a:lvl8pPr marL="3200400" indent="0">
-              <a:buNone/>
-              <a:defRPr sz="1000"/>
+            <a:lvl8pPr marL="3359780" indent="0">
+              <a:buNone/>
+              <a:defRPr sz="1050"/>
             </a:lvl8pPr>
-            <a:lvl9pPr marL="3657600" indent="0">
-              <a:buNone/>
-              <a:defRPr sz="1000"/>
+            <a:lvl9pPr marL="3839748" indent="0">
+              <a:buNone/>
+              <a:defRPr sz="1050"/>
             </a:lvl9pPr>
           </a:lstStyle>
           <a:p>
@@ -2365,7 +2671,7 @@
           <a:p>
             <a:fld id="{0A5B8D1D-1B69-4EDB-9D90-B9BD63A0ED4F}" type="datetimeFigureOut">
               <a:rPr lang="en-US" smtClean="0"/>
-              <a:t>8/5/2023</a:t>
+              <a:t>8/8/2023</a:t>
             </a:fld>
             <a:endParaRPr lang="en-US"/>
           </a:p>
@@ -2416,7 +2722,7 @@
     </p:spTree>
     <p:extLst>
       <p:ext uri="{BB962C8B-B14F-4D97-AF65-F5344CB8AC3E}">
-        <p14:creationId xmlns:p14="http://schemas.microsoft.com/office/powerpoint/2010/main" val="3272374915"/>
+        <p14:creationId xmlns:p14="http://schemas.microsoft.com/office/powerpoint/2010/main" val="4202864116"/>
       </p:ext>
     </p:extLst>
   </p:cSld>
@@ -2455,15 +2761,15 @@
         </p:nvSpPr>
         <p:spPr>
           <a:xfrm>
-            <a:off x="682328" y="457200"/>
-            <a:ext cx="3194943" cy="1600200"/>
+            <a:off x="682328" y="479954"/>
+            <a:ext cx="3194943" cy="1679840"/>
           </a:xfrm>
         </p:spPr>
         <p:txBody>
           <a:bodyPr anchor="b"/>
           <a:lstStyle>
             <a:lvl1pPr>
-              <a:defRPr sz="3200"/>
+              <a:defRPr sz="3359"/>
             </a:lvl1pPr>
           </a:lstStyle>
           <a:p>
@@ -2487,8 +2793,8 @@
         </p:nvSpPr>
         <p:spPr>
           <a:xfrm>
-            <a:off x="4211340" y="987427"/>
-            <a:ext cx="5014913" cy="4873625"/>
+            <a:off x="4211340" y="1036570"/>
+            <a:ext cx="5014913" cy="5116178"/>
           </a:xfrm>
         </p:spPr>
         <p:txBody>
@@ -2496,39 +2802,39 @@
           <a:lstStyle>
             <a:lvl1pPr marL="0" indent="0">
               <a:buNone/>
-              <a:defRPr sz="3200"/>
+              <a:defRPr sz="3359"/>
             </a:lvl1pPr>
-            <a:lvl2pPr marL="457200" indent="0">
-              <a:buNone/>
-              <a:defRPr sz="2800"/>
+            <a:lvl2pPr marL="479969" indent="0">
+              <a:buNone/>
+              <a:defRPr sz="2939"/>
             </a:lvl2pPr>
-            <a:lvl3pPr marL="914400" indent="0">
-              <a:buNone/>
-              <a:defRPr sz="2400"/>
+            <a:lvl3pPr marL="959937" indent="0">
+              <a:buNone/>
+              <a:defRPr sz="2520"/>
             </a:lvl3pPr>
-            <a:lvl4pPr marL="1371600" indent="0">
-              <a:buNone/>
-              <a:defRPr sz="2000"/>
+            <a:lvl4pPr marL="1439906" indent="0">
+              <a:buNone/>
+              <a:defRPr sz="2100"/>
             </a:lvl4pPr>
-            <a:lvl5pPr marL="1828800" indent="0">
-              <a:buNone/>
-              <a:defRPr sz="2000"/>
+            <a:lvl5pPr marL="1919874" indent="0">
+              <a:buNone/>
+              <a:defRPr sz="2100"/>
             </a:lvl5pPr>
-            <a:lvl6pPr marL="2286000" indent="0">
-              <a:buNone/>
-              <a:defRPr sz="2000"/>
+            <a:lvl6pPr marL="2399843" indent="0">
+              <a:buNone/>
+              <a:defRPr sz="2100"/>
             </a:lvl6pPr>
-            <a:lvl7pPr marL="2743200" indent="0">
-              <a:buNone/>
-              <a:defRPr sz="2000"/>
+            <a:lvl7pPr marL="2879811" indent="0">
+              <a:buNone/>
+              <a:defRPr sz="2100"/>
             </a:lvl7pPr>
-            <a:lvl8pPr marL="3200400" indent="0">
-              <a:buNone/>
-              <a:defRPr sz="2000"/>
+            <a:lvl8pPr marL="3359780" indent="0">
+              <a:buNone/>
+              <a:defRPr sz="2100"/>
             </a:lvl8pPr>
-            <a:lvl9pPr marL="3657600" indent="0">
-              <a:buNone/>
-              <a:defRPr sz="2000"/>
+            <a:lvl9pPr marL="3839748" indent="0">
+              <a:buNone/>
+              <a:defRPr sz="2100"/>
             </a:lvl9pPr>
           </a:lstStyle>
           <a:p>
@@ -2552,8 +2858,8 @@
         </p:nvSpPr>
         <p:spPr>
           <a:xfrm>
-            <a:off x="682328" y="2057400"/>
-            <a:ext cx="3194943" cy="3811588"/>
+            <a:off x="682328" y="2159794"/>
+            <a:ext cx="3194943" cy="4001285"/>
           </a:xfrm>
         </p:spPr>
         <p:txBody>
@@ -2561,39 +2867,39 @@
           <a:lstStyle>
             <a:lvl1pPr marL="0" indent="0">
               <a:buNone/>
-              <a:defRPr sz="1600"/>
+              <a:defRPr sz="1680"/>
             </a:lvl1pPr>
-            <a:lvl2pPr marL="457200" indent="0">
-              <a:buNone/>
-              <a:defRPr sz="1400"/>
+            <a:lvl2pPr marL="479969" indent="0">
+              <a:buNone/>
+              <a:defRPr sz="1470"/>
             </a:lvl2pPr>
-            <a:lvl3pPr marL="914400" indent="0">
-              <a:buNone/>
-              <a:defRPr sz="1200"/>
+            <a:lvl3pPr marL="959937" indent="0">
+              <a:buNone/>
+              <a:defRPr sz="1260"/>
             </a:lvl3pPr>
-            <a:lvl4pPr marL="1371600" indent="0">
-              <a:buNone/>
-              <a:defRPr sz="1000"/>
+            <a:lvl4pPr marL="1439906" indent="0">
+              <a:buNone/>
+              <a:defRPr sz="1050"/>
             </a:lvl4pPr>
-            <a:lvl5pPr marL="1828800" indent="0">
-              <a:buNone/>
-              <a:defRPr sz="1000"/>
+            <a:lvl5pPr marL="1919874" indent="0">
+              <a:buNone/>
+              <a:defRPr sz="1050"/>
             </a:lvl5pPr>
-            <a:lvl6pPr marL="2286000" indent="0">
-              <a:buNone/>
-              <a:defRPr sz="1000"/>
+            <a:lvl6pPr marL="2399843" indent="0">
+              <a:buNone/>
+              <a:defRPr sz="1050"/>
             </a:lvl6pPr>
-            <a:lvl7pPr marL="2743200" indent="0">
-              <a:buNone/>
-              <a:defRPr sz="1000"/>
+            <a:lvl7pPr marL="2879811" indent="0">
+              <a:buNone/>
+              <a:defRPr sz="1050"/>
             </a:lvl7pPr>
-            <a:lvl8pPr marL="3200400" indent="0">
-              <a:buNone/>
-              <a:defRPr sz="1000"/>
+            <a:lvl8pPr marL="3359780" indent="0">
+              <a:buNone/>
+              <a:defRPr sz="1050"/>
             </a:lvl8pPr>
-            <a:lvl9pPr marL="3657600" indent="0">
-              <a:buNone/>
-              <a:defRPr sz="1000"/>
+            <a:lvl9pPr marL="3839748" indent="0">
+              <a:buNone/>
+              <a:defRPr sz="1050"/>
             </a:lvl9pPr>
           </a:lstStyle>
           <a:p>
@@ -2622,7 +2928,7 @@
           <a:p>
             <a:fld id="{0A5B8D1D-1B69-4EDB-9D90-B9BD63A0ED4F}" type="datetimeFigureOut">
               <a:rPr lang="en-US" smtClean="0"/>
-              <a:t>8/5/2023</a:t>
+              <a:t>8/8/2023</a:t>
             </a:fld>
             <a:endParaRPr lang="en-US"/>
           </a:p>
@@ -2673,7 +2979,7 @@
     </p:spTree>
     <p:extLst>
       <p:ext uri="{BB962C8B-B14F-4D97-AF65-F5344CB8AC3E}">
-        <p14:creationId xmlns:p14="http://schemas.microsoft.com/office/powerpoint/2010/main" val="3043668539"/>
+        <p14:creationId xmlns:p14="http://schemas.microsoft.com/office/powerpoint/2010/main" val="1793449393"/>
       </p:ext>
     </p:extLst>
   </p:cSld>
@@ -2717,8 +3023,8 @@
         </p:nvSpPr>
         <p:spPr>
           <a:xfrm>
-            <a:off x="681038" y="365127"/>
-            <a:ext cx="8543925" cy="1325563"/>
+            <a:off x="681038" y="383299"/>
+            <a:ext cx="8543925" cy="1391534"/>
           </a:xfrm>
           <a:prstGeom prst="rect">
             <a:avLst/>
@@ -2750,8 +3056,8 @@
         </p:nvSpPr>
         <p:spPr>
           <a:xfrm>
-            <a:off x="681038" y="1825625"/>
-            <a:ext cx="8543925" cy="4351338"/>
+            <a:off x="681038" y="1916484"/>
+            <a:ext cx="8543925" cy="4567898"/>
           </a:xfrm>
           <a:prstGeom prst="rect">
             <a:avLst/>
@@ -2812,8 +3118,8 @@
         </p:nvSpPr>
         <p:spPr>
           <a:xfrm>
-            <a:off x="681038" y="6356352"/>
-            <a:ext cx="2228850" cy="365125"/>
+            <a:off x="681038" y="6672698"/>
+            <a:ext cx="2228850" cy="383297"/>
           </a:xfrm>
           <a:prstGeom prst="rect">
             <a:avLst/>
@@ -2823,7 +3129,7 @@
           <a:bodyPr vert="horz" lIns="91440" tIns="45720" rIns="91440" bIns="45720" rtlCol="0" anchor="ctr"/>
           <a:lstStyle>
             <a:lvl1pPr algn="l">
-              <a:defRPr sz="1200">
+              <a:defRPr sz="1260">
                 <a:solidFill>
                   <a:schemeClr val="tx1">
                     <a:tint val="75000"/>
@@ -2835,7 +3141,7 @@
           <a:p>
             <a:fld id="{0A5B8D1D-1B69-4EDB-9D90-B9BD63A0ED4F}" type="datetimeFigureOut">
               <a:rPr lang="en-US" smtClean="0"/>
-              <a:t>8/5/2023</a:t>
+              <a:t>8/8/2023</a:t>
             </a:fld>
             <a:endParaRPr lang="en-US"/>
           </a:p>
@@ -2853,8 +3159,8 @@
         </p:nvSpPr>
         <p:spPr>
           <a:xfrm>
-            <a:off x="3281363" y="6356352"/>
-            <a:ext cx="3343275" cy="365125"/>
+            <a:off x="3281363" y="6672698"/>
+            <a:ext cx="3343275" cy="383297"/>
           </a:xfrm>
           <a:prstGeom prst="rect">
             <a:avLst/>
@@ -2864,7 +3170,7 @@
           <a:bodyPr vert="horz" lIns="91440" tIns="45720" rIns="91440" bIns="45720" rtlCol="0" anchor="ctr"/>
           <a:lstStyle>
             <a:lvl1pPr algn="ctr">
-              <a:defRPr sz="1200">
+              <a:defRPr sz="1260">
                 <a:solidFill>
                   <a:schemeClr val="tx1">
                     <a:tint val="75000"/>
@@ -2890,8 +3196,8 @@
         </p:nvSpPr>
         <p:spPr>
           <a:xfrm>
-            <a:off x="6996113" y="6356352"/>
-            <a:ext cx="2228850" cy="365125"/>
+            <a:off x="6996113" y="6672698"/>
+            <a:ext cx="2228850" cy="383297"/>
           </a:xfrm>
           <a:prstGeom prst="rect">
             <a:avLst/>
@@ -2901,7 +3207,7 @@
           <a:bodyPr vert="horz" lIns="91440" tIns="45720" rIns="91440" bIns="45720" rtlCol="0" anchor="ctr"/>
           <a:lstStyle>
             <a:lvl1pPr algn="r">
-              <a:defRPr sz="1200">
+              <a:defRPr sz="1260">
                 <a:solidFill>
                   <a:schemeClr val="tx1">
                     <a:tint val="75000"/>
@@ -2922,27 +3228,27 @@
     </p:spTree>
     <p:extLst>
       <p:ext uri="{BB962C8B-B14F-4D97-AF65-F5344CB8AC3E}">
-        <p14:creationId xmlns:p14="http://schemas.microsoft.com/office/powerpoint/2010/main" val="834984003"/>
+        <p14:creationId xmlns:p14="http://schemas.microsoft.com/office/powerpoint/2010/main" val="307913270"/>
       </p:ext>
     </p:extLst>
   </p:cSld>
   <p:clrMap bg1="lt1" tx1="dk1" bg2="lt2" tx2="dk2" accent1="accent1" accent2="accent2" accent3="accent3" accent4="accent4" accent5="accent5" accent6="accent6" hlink="hlink" folHlink="folHlink"/>
   <p:sldLayoutIdLst>
-    <p:sldLayoutId id="2147483685" r:id="rId1"/>
-    <p:sldLayoutId id="2147483686" r:id="rId2"/>
-    <p:sldLayoutId id="2147483687" r:id="rId3"/>
-    <p:sldLayoutId id="2147483688" r:id="rId4"/>
-    <p:sldLayoutId id="2147483689" r:id="rId5"/>
-    <p:sldLayoutId id="2147483690" r:id="rId6"/>
-    <p:sldLayoutId id="2147483691" r:id="rId7"/>
-    <p:sldLayoutId id="2147483692" r:id="rId8"/>
-    <p:sldLayoutId id="2147483693" r:id="rId9"/>
-    <p:sldLayoutId id="2147483694" r:id="rId10"/>
-    <p:sldLayoutId id="2147483695" r:id="rId11"/>
+    <p:sldLayoutId id="2147483697" r:id="rId1"/>
+    <p:sldLayoutId id="2147483698" r:id="rId2"/>
+    <p:sldLayoutId id="2147483699" r:id="rId3"/>
+    <p:sldLayoutId id="2147483700" r:id="rId4"/>
+    <p:sldLayoutId id="2147483701" r:id="rId5"/>
+    <p:sldLayoutId id="2147483702" r:id="rId6"/>
+    <p:sldLayoutId id="2147483703" r:id="rId7"/>
+    <p:sldLayoutId id="2147483704" r:id="rId8"/>
+    <p:sldLayoutId id="2147483705" r:id="rId9"/>
+    <p:sldLayoutId id="2147483706" r:id="rId10"/>
+    <p:sldLayoutId id="2147483707" r:id="rId11"/>
   </p:sldLayoutIdLst>
   <p:txStyles>
     <p:titleStyle>
-      <a:lvl1pPr algn="l" defTabSz="914400" rtl="0" eaLnBrk="1" latinLnBrk="0" hangingPunct="1">
+      <a:lvl1pPr algn="l" defTabSz="959937" rtl="0" eaLnBrk="1" latinLnBrk="0" hangingPunct="1">
         <a:lnSpc>
           <a:spcPct val="90000"/>
         </a:lnSpc>
@@ -2950,7 +3256,7 @@
           <a:spcPct val="0"/>
         </a:spcBef>
         <a:buNone/>
-        <a:defRPr sz="4400" kern="1200">
+        <a:defRPr sz="4619" kern="1200">
           <a:solidFill>
             <a:schemeClr val="tx1"/>
           </a:solidFill>
@@ -2961,16 +3267,16 @@
       </a:lvl1pPr>
     </p:titleStyle>
     <p:bodyStyle>
-      <a:lvl1pPr marL="228600" indent="-228600" algn="l" defTabSz="914400" rtl="0" eaLnBrk="1" latinLnBrk="0" hangingPunct="1">
+      <a:lvl1pPr marL="239984" indent="-239984" algn="l" defTabSz="959937" rtl="0" eaLnBrk="1" latinLnBrk="0" hangingPunct="1">
         <a:lnSpc>
           <a:spcPct val="90000"/>
         </a:lnSpc>
         <a:spcBef>
-          <a:spcPts val="1000"/>
+          <a:spcPts val="1050"/>
         </a:spcBef>
         <a:buFont typeface="Arial" panose="020B0604020202020204" pitchFamily="34" charset="0"/>
         <a:buChar char="•"/>
-        <a:defRPr sz="2800" kern="1200">
+        <a:defRPr sz="2939" kern="1200">
           <a:solidFill>
             <a:schemeClr val="tx1"/>
           </a:solidFill>
@@ -2979,16 +3285,16 @@
           <a:cs typeface="+mn-cs"/>
         </a:defRPr>
       </a:lvl1pPr>
-      <a:lvl2pPr marL="685800" indent="-228600" algn="l" defTabSz="914400" rtl="0" eaLnBrk="1" latinLnBrk="0" hangingPunct="1">
+      <a:lvl2pPr marL="719953" indent="-239984" algn="l" defTabSz="959937" rtl="0" eaLnBrk="1" latinLnBrk="0" hangingPunct="1">
         <a:lnSpc>
           <a:spcPct val="90000"/>
         </a:lnSpc>
         <a:spcBef>
-          <a:spcPts val="500"/>
+          <a:spcPts val="525"/>
         </a:spcBef>
         <a:buFont typeface="Arial" panose="020B0604020202020204" pitchFamily="34" charset="0"/>
         <a:buChar char="•"/>
-        <a:defRPr sz="2400" kern="1200">
+        <a:defRPr sz="2520" kern="1200">
           <a:solidFill>
             <a:schemeClr val="tx1"/>
           </a:solidFill>
@@ -2997,16 +3303,16 @@
           <a:cs typeface="+mn-cs"/>
         </a:defRPr>
       </a:lvl2pPr>
-      <a:lvl3pPr marL="1143000" indent="-228600" algn="l" defTabSz="914400" rtl="0" eaLnBrk="1" latinLnBrk="0" hangingPunct="1">
+      <a:lvl3pPr marL="1199921" indent="-239984" algn="l" defTabSz="959937" rtl="0" eaLnBrk="1" latinLnBrk="0" hangingPunct="1">
         <a:lnSpc>
           <a:spcPct val="90000"/>
         </a:lnSpc>
         <a:spcBef>
-          <a:spcPts val="500"/>
+          <a:spcPts val="525"/>
         </a:spcBef>
         <a:buFont typeface="Arial" panose="020B0604020202020204" pitchFamily="34" charset="0"/>
         <a:buChar char="•"/>
-        <a:defRPr sz="2000" kern="1200">
+        <a:defRPr sz="2100" kern="1200">
           <a:solidFill>
             <a:schemeClr val="tx1"/>
           </a:solidFill>
@@ -3015,16 +3321,16 @@
           <a:cs typeface="+mn-cs"/>
         </a:defRPr>
       </a:lvl3pPr>
-      <a:lvl4pPr marL="1600200" indent="-228600" algn="l" defTabSz="914400" rtl="0" eaLnBrk="1" latinLnBrk="0" hangingPunct="1">
+      <a:lvl4pPr marL="1679890" indent="-239984" algn="l" defTabSz="959937" rtl="0" eaLnBrk="1" latinLnBrk="0" hangingPunct="1">
         <a:lnSpc>
           <a:spcPct val="90000"/>
         </a:lnSpc>
         <a:spcBef>
-          <a:spcPts val="500"/>
+          <a:spcPts val="525"/>
         </a:spcBef>
         <a:buFont typeface="Arial" panose="020B0604020202020204" pitchFamily="34" charset="0"/>
         <a:buChar char="•"/>
-        <a:defRPr sz="1800" kern="1200">
+        <a:defRPr sz="1890" kern="1200">
           <a:solidFill>
             <a:schemeClr val="tx1"/>
           </a:solidFill>
@@ -3033,16 +3339,16 @@
           <a:cs typeface="+mn-cs"/>
         </a:defRPr>
       </a:lvl4pPr>
-      <a:lvl5pPr marL="2057400" indent="-228600" algn="l" defTabSz="914400" rtl="0" eaLnBrk="1" latinLnBrk="0" hangingPunct="1">
+      <a:lvl5pPr marL="2159859" indent="-239984" algn="l" defTabSz="959937" rtl="0" eaLnBrk="1" latinLnBrk="0" hangingPunct="1">
         <a:lnSpc>
           <a:spcPct val="90000"/>
         </a:lnSpc>
         <a:spcBef>
-          <a:spcPts val="500"/>
+          <a:spcPts val="525"/>
         </a:spcBef>
         <a:buFont typeface="Arial" panose="020B0604020202020204" pitchFamily="34" charset="0"/>
         <a:buChar char="•"/>
-        <a:defRPr sz="1800" kern="1200">
+        <a:defRPr sz="1890" kern="1200">
           <a:solidFill>
             <a:schemeClr val="tx1"/>
           </a:solidFill>
@@ -3051,16 +3357,16 @@
           <a:cs typeface="+mn-cs"/>
         </a:defRPr>
       </a:lvl5pPr>
-      <a:lvl6pPr marL="2514600" indent="-228600" algn="l" defTabSz="914400" rtl="0" eaLnBrk="1" latinLnBrk="0" hangingPunct="1">
+      <a:lvl6pPr marL="2639827" indent="-239984" algn="l" defTabSz="959937" rtl="0" eaLnBrk="1" latinLnBrk="0" hangingPunct="1">
         <a:lnSpc>
           <a:spcPct val="90000"/>
         </a:lnSpc>
         <a:spcBef>
-          <a:spcPts val="500"/>
+          <a:spcPts val="525"/>
         </a:spcBef>
         <a:buFont typeface="Arial" panose="020B0604020202020204" pitchFamily="34" charset="0"/>
         <a:buChar char="•"/>
-        <a:defRPr sz="1800" kern="1200">
+        <a:defRPr sz="1890" kern="1200">
           <a:solidFill>
             <a:schemeClr val="tx1"/>
           </a:solidFill>
@@ -3069,16 +3375,16 @@
           <a:cs typeface="+mn-cs"/>
         </a:defRPr>
       </a:lvl6pPr>
-      <a:lvl7pPr marL="2971800" indent="-228600" algn="l" defTabSz="914400" rtl="0" eaLnBrk="1" latinLnBrk="0" hangingPunct="1">
+      <a:lvl7pPr marL="3119796" indent="-239984" algn="l" defTabSz="959937" rtl="0" eaLnBrk="1" latinLnBrk="0" hangingPunct="1">
         <a:lnSpc>
           <a:spcPct val="90000"/>
         </a:lnSpc>
         <a:spcBef>
-          <a:spcPts val="500"/>
+          <a:spcPts val="525"/>
         </a:spcBef>
         <a:buFont typeface="Arial" panose="020B0604020202020204" pitchFamily="34" charset="0"/>
         <a:buChar char="•"/>
-        <a:defRPr sz="1800" kern="1200">
+        <a:defRPr sz="1890" kern="1200">
           <a:solidFill>
             <a:schemeClr val="tx1"/>
           </a:solidFill>
@@ -3087,16 +3393,16 @@
           <a:cs typeface="+mn-cs"/>
         </a:defRPr>
       </a:lvl7pPr>
-      <a:lvl8pPr marL="3429000" indent="-228600" algn="l" defTabSz="914400" rtl="0" eaLnBrk="1" latinLnBrk="0" hangingPunct="1">
+      <a:lvl8pPr marL="3599764" indent="-239984" algn="l" defTabSz="959937" rtl="0" eaLnBrk="1" latinLnBrk="0" hangingPunct="1">
         <a:lnSpc>
           <a:spcPct val="90000"/>
         </a:lnSpc>
         <a:spcBef>
-          <a:spcPts val="500"/>
+          <a:spcPts val="525"/>
         </a:spcBef>
         <a:buFont typeface="Arial" panose="020B0604020202020204" pitchFamily="34" charset="0"/>
         <a:buChar char="•"/>
-        <a:defRPr sz="1800" kern="1200">
+        <a:defRPr sz="1890" kern="1200">
           <a:solidFill>
             <a:schemeClr val="tx1"/>
           </a:solidFill>
@@ -3105,16 +3411,16 @@
           <a:cs typeface="+mn-cs"/>
         </a:defRPr>
       </a:lvl8pPr>
-      <a:lvl9pPr marL="3886200" indent="-228600" algn="l" defTabSz="914400" rtl="0" eaLnBrk="1" latinLnBrk="0" hangingPunct="1">
+      <a:lvl9pPr marL="4079733" indent="-239984" algn="l" defTabSz="959937" rtl="0" eaLnBrk="1" latinLnBrk="0" hangingPunct="1">
         <a:lnSpc>
           <a:spcPct val="90000"/>
         </a:lnSpc>
         <a:spcBef>
-          <a:spcPts val="500"/>
+          <a:spcPts val="525"/>
         </a:spcBef>
         <a:buFont typeface="Arial" panose="020B0604020202020204" pitchFamily="34" charset="0"/>
         <a:buChar char="•"/>
-        <a:defRPr sz="1800" kern="1200">
+        <a:defRPr sz="1890" kern="1200">
           <a:solidFill>
             <a:schemeClr val="tx1"/>
           </a:solidFill>
@@ -3128,8 +3434,8 @@
       <a:defPPr>
         <a:defRPr lang="en-US"/>
       </a:defPPr>
-      <a:lvl1pPr marL="0" algn="l" defTabSz="914400" rtl="0" eaLnBrk="1" latinLnBrk="0" hangingPunct="1">
-        <a:defRPr sz="1800" kern="1200">
+      <a:lvl1pPr marL="0" algn="l" defTabSz="959937" rtl="0" eaLnBrk="1" latinLnBrk="0" hangingPunct="1">
+        <a:defRPr sz="1890" kern="1200">
           <a:solidFill>
             <a:schemeClr val="tx1"/>
           </a:solidFill>
@@ -3138,8 +3444,8 @@
           <a:cs typeface="+mn-cs"/>
         </a:defRPr>
       </a:lvl1pPr>
-      <a:lvl2pPr marL="457200" algn="l" defTabSz="914400" rtl="0" eaLnBrk="1" latinLnBrk="0" hangingPunct="1">
-        <a:defRPr sz="1800" kern="1200">
+      <a:lvl2pPr marL="479969" algn="l" defTabSz="959937" rtl="0" eaLnBrk="1" latinLnBrk="0" hangingPunct="1">
+        <a:defRPr sz="1890" kern="1200">
           <a:solidFill>
             <a:schemeClr val="tx1"/>
           </a:solidFill>
@@ -3148,8 +3454,8 @@
           <a:cs typeface="+mn-cs"/>
         </a:defRPr>
       </a:lvl2pPr>
-      <a:lvl3pPr marL="914400" algn="l" defTabSz="914400" rtl="0" eaLnBrk="1" latinLnBrk="0" hangingPunct="1">
-        <a:defRPr sz="1800" kern="1200">
+      <a:lvl3pPr marL="959937" algn="l" defTabSz="959937" rtl="0" eaLnBrk="1" latinLnBrk="0" hangingPunct="1">
+        <a:defRPr sz="1890" kern="1200">
           <a:solidFill>
             <a:schemeClr val="tx1"/>
           </a:solidFill>
@@ -3158,8 +3464,8 @@
           <a:cs typeface="+mn-cs"/>
         </a:defRPr>
       </a:lvl3pPr>
-      <a:lvl4pPr marL="1371600" algn="l" defTabSz="914400" rtl="0" eaLnBrk="1" latinLnBrk="0" hangingPunct="1">
-        <a:defRPr sz="1800" kern="1200">
+      <a:lvl4pPr marL="1439906" algn="l" defTabSz="959937" rtl="0" eaLnBrk="1" latinLnBrk="0" hangingPunct="1">
+        <a:defRPr sz="1890" kern="1200">
           <a:solidFill>
             <a:schemeClr val="tx1"/>
           </a:solidFill>
@@ -3168,8 +3474,8 @@
           <a:cs typeface="+mn-cs"/>
         </a:defRPr>
       </a:lvl4pPr>
-      <a:lvl5pPr marL="1828800" algn="l" defTabSz="914400" rtl="0" eaLnBrk="1" latinLnBrk="0" hangingPunct="1">
-        <a:defRPr sz="1800" kern="1200">
+      <a:lvl5pPr marL="1919874" algn="l" defTabSz="959937" rtl="0" eaLnBrk="1" latinLnBrk="0" hangingPunct="1">
+        <a:defRPr sz="1890" kern="1200">
           <a:solidFill>
             <a:schemeClr val="tx1"/>
           </a:solidFill>
@@ -3178,8 +3484,8 @@
           <a:cs typeface="+mn-cs"/>
         </a:defRPr>
       </a:lvl5pPr>
-      <a:lvl6pPr marL="2286000" algn="l" defTabSz="914400" rtl="0" eaLnBrk="1" latinLnBrk="0" hangingPunct="1">
-        <a:defRPr sz="1800" kern="1200">
+      <a:lvl6pPr marL="2399843" algn="l" defTabSz="959937" rtl="0" eaLnBrk="1" latinLnBrk="0" hangingPunct="1">
+        <a:defRPr sz="1890" kern="1200">
           <a:solidFill>
             <a:schemeClr val="tx1"/>
           </a:solidFill>
@@ -3188,8 +3494,8 @@
           <a:cs typeface="+mn-cs"/>
         </a:defRPr>
       </a:lvl6pPr>
-      <a:lvl7pPr marL="2743200" algn="l" defTabSz="914400" rtl="0" eaLnBrk="1" latinLnBrk="0" hangingPunct="1">
-        <a:defRPr sz="1800" kern="1200">
+      <a:lvl7pPr marL="2879811" algn="l" defTabSz="959937" rtl="0" eaLnBrk="1" latinLnBrk="0" hangingPunct="1">
+        <a:defRPr sz="1890" kern="1200">
           <a:solidFill>
             <a:schemeClr val="tx1"/>
           </a:solidFill>
@@ -3198,8 +3504,8 @@
           <a:cs typeface="+mn-cs"/>
         </a:defRPr>
       </a:lvl7pPr>
-      <a:lvl8pPr marL="3200400" algn="l" defTabSz="914400" rtl="0" eaLnBrk="1" latinLnBrk="0" hangingPunct="1">
-        <a:defRPr sz="1800" kern="1200">
+      <a:lvl8pPr marL="3359780" algn="l" defTabSz="959937" rtl="0" eaLnBrk="1" latinLnBrk="0" hangingPunct="1">
+        <a:defRPr sz="1890" kern="1200">
           <a:solidFill>
             <a:schemeClr val="tx1"/>
           </a:solidFill>
@@ -3208,8 +3514,8 @@
           <a:cs typeface="+mn-cs"/>
         </a:defRPr>
       </a:lvl8pPr>
-      <a:lvl9pPr marL="3657600" algn="l" defTabSz="914400" rtl="0" eaLnBrk="1" latinLnBrk="0" hangingPunct="1">
-        <a:defRPr sz="1800" kern="1200">
+      <a:lvl9pPr marL="3839748" algn="l" defTabSz="959937" rtl="0" eaLnBrk="1" latinLnBrk="0" hangingPunct="1">
+        <a:defRPr sz="1890" kern="1200">
           <a:solidFill>
             <a:schemeClr val="tx1"/>
           </a:solidFill>
@@ -3262,7 +3568,7 @@
         </p:blipFill>
         <p:spPr>
           <a:xfrm>
-            <a:off x="4623496" y="-1"/>
+            <a:off x="4623499" y="363698"/>
             <a:ext cx="5282503" cy="6846121"/>
           </a:xfrm>
           <a:prstGeom prst="rect">
@@ -3284,7 +3590,7 @@
         </p:nvSpPr>
         <p:spPr>
           <a:xfrm>
-            <a:off x="4517014" y="-93528"/>
+            <a:off x="4517014" y="270168"/>
             <a:ext cx="122696" cy="6951528"/>
           </a:xfrm>
           <a:prstGeom prst="rect">
@@ -3341,8 +3647,8 @@
         </p:nvCxnSpPr>
         <p:spPr>
           <a:xfrm>
-            <a:off x="3377794" y="221019"/>
-            <a:ext cx="1289456" cy="195060"/>
+            <a:off x="3377797" y="625355"/>
+            <a:ext cx="1289453" cy="184666"/>
           </a:xfrm>
           <a:prstGeom prst="straightConnector1">
             <a:avLst/>
@@ -3383,7 +3689,7 @@
         </p:nvSpPr>
         <p:spPr>
           <a:xfrm>
-            <a:off x="179599" y="36353"/>
+            <a:off x="179602" y="440689"/>
             <a:ext cx="3198195" cy="369332"/>
           </a:xfrm>
           <a:prstGeom prst="rect">
@@ -3427,8 +3733,8 @@
         </p:nvCxnSpPr>
         <p:spPr>
           <a:xfrm>
-            <a:off x="3377794" y="672229"/>
-            <a:ext cx="1289456" cy="266045"/>
+            <a:off x="3377797" y="1056245"/>
+            <a:ext cx="1289450" cy="235830"/>
           </a:xfrm>
           <a:prstGeom prst="straightConnector1">
             <a:avLst/>
@@ -3469,7 +3775,7 @@
         </p:nvSpPr>
         <p:spPr>
           <a:xfrm>
-            <a:off x="1729291" y="487563"/>
+            <a:off x="1729294" y="871579"/>
             <a:ext cx="1648503" cy="369332"/>
           </a:xfrm>
           <a:prstGeom prst="rect">
@@ -3510,7 +3816,7 @@
         </p:nvSpPr>
         <p:spPr>
           <a:xfrm>
-            <a:off x="7324362" y="1539240"/>
+            <a:off x="7324362" y="1902936"/>
             <a:ext cx="905238" cy="175260"/>
           </a:xfrm>
           <a:prstGeom prst="rect">
@@ -3566,7 +3872,7 @@
         </p:nvCxnSpPr>
         <p:spPr>
           <a:xfrm>
-            <a:off x="3384322" y="1553861"/>
+            <a:off x="3384322" y="1917560"/>
             <a:ext cx="3940040" cy="73009"/>
           </a:xfrm>
           <a:prstGeom prst="straightConnector1">
@@ -3608,7 +3914,7 @@
         </p:nvSpPr>
         <p:spPr>
           <a:xfrm>
-            <a:off x="842394" y="1369195"/>
+            <a:off x="842394" y="1732891"/>
             <a:ext cx="2541928" cy="369332"/>
           </a:xfrm>
           <a:prstGeom prst="rect">
@@ -3649,7 +3955,7 @@
         </p:nvSpPr>
         <p:spPr>
           <a:xfrm>
-            <a:off x="4489488" y="1760757"/>
+            <a:off x="4489488" y="2124456"/>
             <a:ext cx="272142" cy="4784823"/>
           </a:xfrm>
           <a:prstGeom prst="leftBrace">
@@ -3698,7 +4004,7 @@
         </p:nvSpPr>
         <p:spPr>
           <a:xfrm>
-            <a:off x="2397321" y="3809065"/>
+            <a:off x="2397321" y="4172764"/>
             <a:ext cx="2038926" cy="646331"/>
           </a:xfrm>
           <a:prstGeom prst="rect">
@@ -3739,7 +4045,7 @@
         </p:nvSpPr>
         <p:spPr>
           <a:xfrm>
-            <a:off x="5772402" y="1300708"/>
+            <a:off x="5772402" y="1664404"/>
             <a:ext cx="702136" cy="238532"/>
           </a:xfrm>
           <a:prstGeom prst="rect">
@@ -3795,8 +4101,8 @@
         </p:nvCxnSpPr>
         <p:spPr>
           <a:xfrm>
-            <a:off x="3400317" y="1113045"/>
-            <a:ext cx="2372085" cy="306929"/>
+            <a:off x="3400317" y="1497061"/>
+            <a:ext cx="2372085" cy="286609"/>
           </a:xfrm>
           <a:prstGeom prst="straightConnector1">
             <a:avLst/>
@@ -3837,7 +4143,7 @@
         </p:nvSpPr>
         <p:spPr>
           <a:xfrm>
-            <a:off x="264407" y="928379"/>
+            <a:off x="264407" y="1312395"/>
             <a:ext cx="3135910" cy="369332"/>
           </a:xfrm>
           <a:prstGeom prst="rect">
@@ -3878,7 +4184,7 @@
         </p:nvSpPr>
         <p:spPr>
           <a:xfrm>
-            <a:off x="6702042" y="1294586"/>
+            <a:off x="6702042" y="1658282"/>
             <a:ext cx="702136" cy="238532"/>
           </a:xfrm>
           <a:prstGeom prst="rect">
@@ -3930,7 +4236,7 @@
         </p:nvSpPr>
         <p:spPr>
           <a:xfrm>
-            <a:off x="6433679" y="1290638"/>
+            <a:off x="6433679" y="1654334"/>
             <a:ext cx="308098" cy="261610"/>
           </a:xfrm>
           <a:prstGeom prst="rect">
@@ -3965,7 +4271,7 @@
         </p:nvSpPr>
         <p:spPr>
           <a:xfrm>
-            <a:off x="6088380" y="6614160"/>
+            <a:off x="6088380" y="6977856"/>
             <a:ext cx="1040130" cy="202892"/>
           </a:xfrm>
           <a:prstGeom prst="rect">
@@ -4000,6 +4306,52 @@
           <a:p>
             <a:pPr algn="ctr"/>
             <a:endParaRPr lang="en-US"/>
+          </a:p>
+        </p:txBody>
+      </p:sp>
+      <p:sp>
+        <p:nvSpPr>
+          <p:cNvPr id="2" name="TextBox 1">
+            <a:extLst>
+              <a:ext uri="{FF2B5EF4-FFF2-40B4-BE49-F238E27FC236}">
+                <a16:creationId xmlns:a16="http://schemas.microsoft.com/office/drawing/2014/main" id="{F324F8F8-A782-3649-5B0D-B0E13BA58AD4}"/>
+              </a:ext>
+            </a:extLst>
+          </p:cNvPr>
+          <p:cNvSpPr txBox="1"/>
+          <p:nvPr/>
+        </p:nvSpPr>
+        <p:spPr>
+          <a:xfrm>
+            <a:off x="-1" y="2002"/>
+            <a:ext cx="9906000" cy="369332"/>
+          </a:xfrm>
+          <a:prstGeom prst="rect">
+            <a:avLst/>
+          </a:prstGeom>
+          <a:solidFill>
+            <a:schemeClr val="bg2"/>
+          </a:solidFill>
+          <a:ln w="19050">
+            <a:noFill/>
+          </a:ln>
+        </p:spPr>
+        <p:txBody>
+          <a:bodyPr wrap="square" rtlCol="0">
+            <a:spAutoFit/>
+          </a:bodyPr>
+          <a:lstStyle/>
+          <a:p>
+            <a:pPr algn="ctr"/>
+            <a:r>
+              <a:rPr lang="en-US" dirty="0"/>
+              <a:t>To export a valid TXT file, make sure to comply with the </a:t>
+            </a:r>
+            <a:r>
+              <a:rPr lang="en-US"/>
+              <a:t>following setting</a:t>
+            </a:r>
+            <a:endParaRPr lang="en-US" dirty="0"/>
           </a:p>
         </p:txBody>
       </p:sp>
